--- a/DB処理スピードの経験値v0.3.pptx
+++ b/DB処理スピードの経験値v0.3.pptx
@@ -5236,15 +5236,7 @@
                 <a:ea typeface="Meiryo UI" pitchFamily="50" charset="-128"/>
                 <a:cs typeface="Meiryo UI" pitchFamily="50" charset="-128"/>
               </a:rPr>
-              <a:t>　</a:t>
-            </a:r>
-            <a:r>
-              <a:rPr lang="ja-JP" altLang="en-US" sz="1600" smtClean="0">
-                <a:latin typeface="Meiryo UI" pitchFamily="50" charset="-128"/>
-                <a:ea typeface="Meiryo UI" pitchFamily="50" charset="-128"/>
-                <a:cs typeface="Meiryo UI" pitchFamily="50" charset="-128"/>
-              </a:rPr>
-              <a:t>ぐらいの</a:t>
+              <a:t>　ぐらいの</a:t>
             </a:r>
             <a:r>
               <a:rPr lang="ja-JP" altLang="en-US" sz="1600" dirty="0" smtClean="0">
@@ -5510,7 +5502,29 @@
                 <a:ea typeface="Meiryo UI" pitchFamily="50" charset="-128"/>
                 <a:cs typeface="Meiryo UI" pitchFamily="50" charset="-128"/>
               </a:rPr>
-              <a:t>１件特定の平均検索回数</a:t>
+              <a:t>１件特定</a:t>
+            </a:r>
+            <a:r>
+              <a:rPr lang="ja-JP" altLang="en-US" sz="1600" dirty="0" smtClean="0">
+                <a:solidFill>
+                  <a:srgbClr val="002060"/>
+                </a:solidFill>
+                <a:latin typeface="Meiryo UI" pitchFamily="50" charset="-128"/>
+                <a:ea typeface="Meiryo UI" pitchFamily="50" charset="-128"/>
+                <a:cs typeface="Meiryo UI" pitchFamily="50" charset="-128"/>
+              </a:rPr>
+              <a:t>の検索</a:t>
+            </a:r>
+            <a:r>
+              <a:rPr lang="ja-JP" altLang="en-US" sz="1600" dirty="0" smtClean="0">
+                <a:solidFill>
+                  <a:srgbClr val="002060"/>
+                </a:solidFill>
+                <a:latin typeface="Meiryo UI" pitchFamily="50" charset="-128"/>
+                <a:ea typeface="Meiryo UI" pitchFamily="50" charset="-128"/>
+                <a:cs typeface="Meiryo UI" pitchFamily="50" charset="-128"/>
+              </a:rPr>
+              <a:t>回数</a:t>
             </a:r>
             <a:endParaRPr lang="en-US" altLang="ja-JP" sz="1600" dirty="0" smtClean="0">
               <a:solidFill>
@@ -7110,7 +7124,7 @@
               <a:t>検索時間　＝ </a:t>
             </a:r>
             <a:r>
-              <a:rPr lang="en-US" altLang="ja-JP" sz="2000" i="1" dirty="0" smtClean="0">
+              <a:rPr lang="en-US" altLang="ja-JP" sz="2000" dirty="0">
                 <a:solidFill>
                   <a:srgbClr val="002060"/>
                 </a:solidFill>
@@ -7118,7 +7132,7 @@
                 <a:ea typeface="Meiryo UI" pitchFamily="50" charset="-128"/>
                 <a:cs typeface="Meiryo UI" pitchFamily="50" charset="-128"/>
               </a:rPr>
-              <a:t>α</a:t>
+              <a:t>k</a:t>
             </a:r>
             <a:r>
               <a:rPr lang="ja-JP" altLang="en-US" sz="2000" i="1" dirty="0" smtClean="0">
@@ -7140,7 +7154,29 @@
                 <a:ea typeface="Meiryo UI" pitchFamily="50" charset="-128"/>
                 <a:cs typeface="Meiryo UI" pitchFamily="50" charset="-128"/>
               </a:rPr>
-              <a:t>＊ 平均検索回数</a:t>
+              <a:t>＊ </a:t>
+            </a:r>
+            <a:r>
+              <a:rPr lang="ja-JP" altLang="en-US" sz="2000" dirty="0" smtClean="0">
+                <a:solidFill>
+                  <a:srgbClr val="002060"/>
+                </a:solidFill>
+                <a:latin typeface="Meiryo UI" pitchFamily="50" charset="-128"/>
+                <a:ea typeface="Meiryo UI" pitchFamily="50" charset="-128"/>
+                <a:cs typeface="Meiryo UI" pitchFamily="50" charset="-128"/>
+              </a:rPr>
+              <a:t>検索</a:t>
+            </a:r>
+            <a:r>
+              <a:rPr lang="ja-JP" altLang="en-US" sz="2000" dirty="0" smtClean="0">
+                <a:solidFill>
+                  <a:srgbClr val="002060"/>
+                </a:solidFill>
+                <a:latin typeface="Meiryo UI" pitchFamily="50" charset="-128"/>
+                <a:ea typeface="Meiryo UI" pitchFamily="50" charset="-128"/>
+                <a:cs typeface="Meiryo UI" pitchFamily="50" charset="-128"/>
+              </a:rPr>
+              <a:t>回数</a:t>
             </a:r>
             <a:endParaRPr lang="en-US" altLang="ja-JP" sz="2000" dirty="0" smtClean="0">
               <a:solidFill>
@@ -7161,10 +7197,10 @@
         </p:nvGrpSpPr>
         <p:grpSpPr>
           <a:xfrm>
-            <a:off x="1363718" y="5461504"/>
-            <a:ext cx="5218386" cy="497509"/>
+            <a:off x="2025873" y="5474412"/>
+            <a:ext cx="5218386" cy="498677"/>
             <a:chOff x="756745" y="5398946"/>
-            <a:chExt cx="5218386" cy="497509"/>
+            <a:chExt cx="5218386" cy="498677"/>
           </a:xfrm>
         </p:grpSpPr>
         <p:sp>
@@ -7346,7 +7382,18 @@
                   <a:ea typeface="Meiryo UI" pitchFamily="50" charset="-128"/>
                   <a:cs typeface="Meiryo UI" pitchFamily="50" charset="-128"/>
                 </a:rPr>
-                <a:t>平均検索回数（</a:t>
+                <a:t>検索</a:t>
+              </a:r>
+              <a:r>
+                <a:rPr lang="ja-JP" altLang="en-US" sz="2000" dirty="0" smtClean="0">
+                  <a:solidFill>
+                    <a:srgbClr val="002060"/>
+                  </a:solidFill>
+                  <a:latin typeface="Meiryo UI" pitchFamily="50" charset="-128"/>
+                  <a:ea typeface="Meiryo UI" pitchFamily="50" charset="-128"/>
+                  <a:cs typeface="Meiryo UI" pitchFamily="50" charset="-128"/>
+                </a:rPr>
+                <a:t>回数（</a:t>
               </a:r>
               <a:r>
                 <a:rPr lang="en-US" altLang="ja-JP" sz="2000" dirty="0" smtClean="0">
@@ -7368,7 +7415,18 @@
                   <a:ea typeface="Meiryo UI" pitchFamily="50" charset="-128"/>
                   <a:cs typeface="Meiryo UI" pitchFamily="50" charset="-128"/>
                 </a:rPr>
-                <a:t>場合）＝ </a:t>
+                <a:t>あり）</a:t>
+              </a:r>
+              <a:r>
+                <a:rPr lang="ja-JP" altLang="en-US" sz="2000" dirty="0" smtClean="0">
+                  <a:solidFill>
+                    <a:srgbClr val="002060"/>
+                  </a:solidFill>
+                  <a:latin typeface="Meiryo UI" pitchFamily="50" charset="-128"/>
+                  <a:ea typeface="Meiryo UI" pitchFamily="50" charset="-128"/>
+                  <a:cs typeface="Meiryo UI" pitchFamily="50" charset="-128"/>
+                </a:rPr>
+                <a:t>＝ </a:t>
               </a:r>
               <a:r>
                 <a:rPr lang="en-US" altLang="ja-JP" sz="2000" dirty="0" smtClean="0">
@@ -7413,7 +7471,7 @@
           </p:nvSpPr>
           <p:spPr bwMode="auto">
             <a:xfrm>
-              <a:off x="4337664" y="5557901"/>
+              <a:off x="3683391" y="5559069"/>
               <a:ext cx="358984" cy="338554"/>
             </a:xfrm>
             <a:prstGeom prst="rect">
@@ -7596,7 +7654,7 @@
         </p:nvSpPr>
         <p:spPr bwMode="auto">
           <a:xfrm>
-            <a:off x="969580" y="5882724"/>
+            <a:off x="2004687" y="5895632"/>
             <a:ext cx="6132785" cy="400110"/>
           </a:xfrm>
           <a:prstGeom prst="rect">
@@ -7765,7 +7823,18 @@
                 <a:ea typeface="Meiryo UI" pitchFamily="50" charset="-128"/>
                 <a:cs typeface="Meiryo UI" pitchFamily="50" charset="-128"/>
               </a:rPr>
-              <a:t>平均検索回数（</a:t>
+              <a:t>検索</a:t>
+            </a:r>
+            <a:r>
+              <a:rPr lang="ja-JP" altLang="en-US" sz="2000" dirty="0" smtClean="0">
+                <a:solidFill>
+                  <a:srgbClr val="002060"/>
+                </a:solidFill>
+                <a:latin typeface="Meiryo UI" pitchFamily="50" charset="-128"/>
+                <a:ea typeface="Meiryo UI" pitchFamily="50" charset="-128"/>
+                <a:cs typeface="Meiryo UI" pitchFamily="50" charset="-128"/>
+              </a:rPr>
+              <a:t>回数（</a:t>
             </a:r>
             <a:r>
               <a:rPr lang="en-US" altLang="ja-JP" sz="2000" dirty="0" smtClean="0">
@@ -7787,7 +7856,7 @@
                 <a:ea typeface="Meiryo UI" pitchFamily="50" charset="-128"/>
                 <a:cs typeface="Meiryo UI" pitchFamily="50" charset="-128"/>
               </a:rPr>
-              <a:t>なし場合）＝ データ</a:t>
+              <a:t>なし）</a:t>
             </a:r>
             <a:r>
               <a:rPr lang="ja-JP" altLang="en-US" sz="2000" dirty="0" smtClean="0">
@@ -7798,7 +7867,7 @@
                 <a:ea typeface="Meiryo UI" pitchFamily="50" charset="-128"/>
                 <a:cs typeface="Meiryo UI" pitchFamily="50" charset="-128"/>
               </a:rPr>
-              <a:t>件数</a:t>
+              <a:t>＝ データ件数</a:t>
             </a:r>
             <a:endParaRPr lang="en-US" altLang="ja-JP" sz="2000" dirty="0" smtClean="0">
               <a:solidFill>
@@ -9837,8 +9906,20 @@
 
 <file path=ppt/tags/tag1.xml><?xml version="1.0" encoding="utf-8"?>
 <p:tagLst xmlns:a="http://schemas.openxmlformats.org/drawingml/2006/main" xmlns:r="http://schemas.openxmlformats.org/officeDocument/2006/relationships" xmlns:p="http://schemas.openxmlformats.org/presentationml/2006/main">
-  <p:tag name="ISPRING_PRESENTATION_TITLE" val="EFW紹介v1.2"/>
   <p:tag name="ISPRING_FIRST_PUBLISH" val="1"/>
+  <p:tag name="ISPRING_LMS_API_VERSION" val="SCORM 1.2"/>
+  <p:tag name="ISPRING_ULTRA_SCORM_COURCE_TITLE" val="DB処理スピードの経験値v0.3"/>
+  <p:tag name="ISPRING_ULTRA_SCORM_COURSE_ID" val="3646EA2F-B580-466D-A2B7-03A95492CBF8"/>
+  <p:tag name="ISPRING_CMI5_LAUNCH_METHOD" val="any window"/>
+  <p:tag name="ISPRING_SCORM_ENDPOINT" val="&lt;endpoint&gt;&lt;enable&gt;0&lt;/enable&gt;&lt;lrs&gt;http://&lt;/lrs&gt;&lt;auth&gt;0&lt;/auth&gt;&lt;login&gt;&lt;/login&gt;&lt;password&gt;&lt;/password&gt;&lt;key&gt;&lt;/key&gt;&lt;name&gt;&lt;/name&gt;&lt;email&gt;&lt;/email&gt;&lt;/endpoint&gt;&#10;"/>
+  <p:tag name="ISPRING_SCORM_RATE_SLIDES" val="1"/>
+  <p:tag name="ISPRINGCLOUDFOLDERID" val="1"/>
+  <p:tag name="ISPRINGONLINEFOLDERID" val="1"/>
+  <p:tag name="ISPRING_OUTPUT_FOLDER" val="[[&quot;x6\&quot;T{0A1F2BAE-1CEA-4DCF-97F0-F7F7D714EBC9}&quot;,&quot;C:\\Users\\kejun.chang\\Documents\\GitHub\\efw4_online_ppt&quot;]]"/>
+  <p:tag name="ISPRING_PUBLISH_SETTINGS" val="{&quot;commonSettings&quot;:{&quot;webSettings&quot;:{&quot;useMobileViewer&quot;:&quot;T_FALSE&quot;},&quot;lmsSettings&quot;:{&quot;useMobileViewer&quot;:&quot;T_FALSE&quot;},&quot;cloudSettings&quot;:{&quot;useMobileViewer&quot;:&quot;T_FALSE&quot;},&quot;ispringLmsSettings&quot;:{&quot;useMobileViewer&quot;:&quot;T_FALSE&quot;},&quot;playerId&quot;:&quot;free&quot;},&quot;advancedSettings&quot;:{&quot;enableTextAllocation&quot;:&quot;T_TRUE&quot;,&quot;viewingFromLocalDrive&quot;:&quot;T_TRUE&quot;,&quot;contentScale&quot;:75,&quot;contentScaleMode&quot;:&quot;SCALE&quot;},&quot;compressionSettings&quot;:{&quot;imageSettings&quot;:{&quot;jpegQuality&quot;:70,&quot;optimizeImageForResolution&quot;:&quot;T_FALSE&quot;},&quot;audioQuality&quot;:70,&quot;videoQuality&quot;:65},&quot;protectionSettings&quot;:{&quot;watermarkEnabled&quot;:&quot;T_FALSE&quot;,&quot;watermarkPosition&quot;:&quot;MIDDLE_CENTER&quot;,&quot;openWatermarkUrl&quot;:&quot;T_FALSE&quot;,&quot;openWatermarkWebPageInNewWindow&quot;:&quot;T_FALSE&quot;,&quot;displayAfterEnabled&quot;:&quot;T_FALSE&quot;,&quot;displayUntilEnabled&quot;:&quot;T_FALSE&quot;,&quot;domainRestrictionEnabled&quot;:&quot;T_FALSE&quot;,&quot;enablePassword&quot;:&quot;T_FALSE&quot;},&quot;videoSettings&quot;:{&quot;videoCompressionSettings&quot;:{&quot;audioQuality&quot;:70,&quot;videoQuality&quot;:75},&quot;secondsOnEachSlide&quot;:5,&quot;hostingSettings&quot;:{}},&quot;ispringOnlineSettings&quot;:{&quot;onlineDestinationFolderId&quot;:&quot;1&quot;},&quot;cloudSettings&quot;:{&quot;onlineDestinationFolderId&quot;:&quot;1&quot;},&quot;wordSettings&quot;:{&quot;printCopies&quot;:1}}"/>
+  <p:tag name="ISPRING_SCORM_RATE_QUIZZES" val="0"/>
+  <p:tag name="ISPRING_SCORM_PASSING_SCORE" val="100.000000"/>
+  <p:tag name="ISPRING_PRESENTATION_TITLE" val="DB処理スピードの経験値v0.3"/>
 </p:tagLst>
 </file>
 

--- a/DB処理スピードの経験値v0.3.pptx
+++ b/DB処理スピードの経験値v0.3.pptx
@@ -331,7 +331,7 @@
               <a:pPr>
                 <a:defRPr/>
               </a:pPr>
-              <a:t>2019/12/28</a:t>
+              <a:t>2022/11/30</a:t>
             </a:fld>
             <a:endParaRPr lang="en-US" altLang="ja-JP"/>
           </a:p>
@@ -633,7 +633,7 @@
               <a:pPr>
                 <a:defRPr/>
               </a:pPr>
-              <a:t>2019/12/28</a:t>
+              <a:t>2022/11/30</a:t>
             </a:fld>
             <a:endParaRPr lang="en-US" altLang="ja-JP"/>
           </a:p>
@@ -725,67 +725,67 @@
           <a:p>
             <a:pPr lvl="0"/>
             <a:r>
-              <a:rPr lang="ja-JP" altLang="en-US" noProof="0" smtClean="0"/>
+              <a:rPr lang="ja-JP" altLang="en-US" noProof="0"/>
               <a:t>マスター テキストの書式設定</a:t>
             </a:r>
           </a:p>
           <a:p>
             <a:pPr lvl="1"/>
             <a:r>
-              <a:rPr lang="ja-JP" altLang="en-US" noProof="0" smtClean="0"/>
+              <a:rPr lang="ja-JP" altLang="en-US" noProof="0"/>
               <a:t>第 </a:t>
             </a:r>
             <a:r>
-              <a:rPr lang="en-US" altLang="ja-JP" noProof="0" smtClean="0"/>
+              <a:rPr lang="en-US" altLang="ja-JP" noProof="0"/>
               <a:t>2 </a:t>
             </a:r>
             <a:r>
-              <a:rPr lang="ja-JP" altLang="en-US" noProof="0" smtClean="0"/>
+              <a:rPr lang="ja-JP" altLang="en-US" noProof="0"/>
               <a:t>レベル</a:t>
             </a:r>
           </a:p>
           <a:p>
             <a:pPr lvl="2"/>
             <a:r>
-              <a:rPr lang="ja-JP" altLang="en-US" noProof="0" smtClean="0"/>
+              <a:rPr lang="ja-JP" altLang="en-US" noProof="0"/>
               <a:t>第 </a:t>
             </a:r>
             <a:r>
-              <a:rPr lang="en-US" altLang="ja-JP" noProof="0" smtClean="0"/>
+              <a:rPr lang="en-US" altLang="ja-JP" noProof="0"/>
               <a:t>3 </a:t>
             </a:r>
             <a:r>
-              <a:rPr lang="ja-JP" altLang="en-US" noProof="0" smtClean="0"/>
+              <a:rPr lang="ja-JP" altLang="en-US" noProof="0"/>
               <a:t>レベル</a:t>
             </a:r>
           </a:p>
           <a:p>
             <a:pPr lvl="3"/>
             <a:r>
-              <a:rPr lang="ja-JP" altLang="en-US" noProof="0" smtClean="0"/>
+              <a:rPr lang="ja-JP" altLang="en-US" noProof="0"/>
               <a:t>第 </a:t>
             </a:r>
             <a:r>
-              <a:rPr lang="en-US" altLang="ja-JP" noProof="0" smtClean="0"/>
+              <a:rPr lang="en-US" altLang="ja-JP" noProof="0"/>
               <a:t>4 </a:t>
             </a:r>
             <a:r>
-              <a:rPr lang="ja-JP" altLang="en-US" noProof="0" smtClean="0"/>
+              <a:rPr lang="ja-JP" altLang="en-US" noProof="0"/>
               <a:t>レベル</a:t>
             </a:r>
           </a:p>
           <a:p>
             <a:pPr lvl="4"/>
             <a:r>
-              <a:rPr lang="ja-JP" altLang="en-US" noProof="0" smtClean="0"/>
+              <a:rPr lang="ja-JP" altLang="en-US" noProof="0"/>
               <a:t>第 </a:t>
             </a:r>
             <a:r>
-              <a:rPr lang="en-US" altLang="ja-JP" noProof="0" smtClean="0"/>
+              <a:rPr lang="en-US" altLang="ja-JP" noProof="0"/>
               <a:t>5 </a:t>
             </a:r>
             <a:r>
-              <a:rPr lang="ja-JP" altLang="en-US" noProof="0" smtClean="0"/>
+              <a:rPr lang="ja-JP" altLang="en-US" noProof="0"/>
               <a:t>レベル</a:t>
             </a:r>
           </a:p>
@@ -1131,7 +1131,7 @@
                 <a:spcPct val="0"/>
               </a:spcBef>
             </a:pPr>
-            <a:endParaRPr lang="ja-JP" altLang="en-US" sz="1800" smtClean="0"/>
+            <a:endParaRPr lang="ja-JP" altLang="en-US" sz="1800"/>
           </a:p>
         </p:txBody>
       </p:sp>
@@ -1400,7 +1400,7 @@
           <a:bodyPr/>
           <a:lstStyle/>
           <a:p>
-            <a:endParaRPr lang="ja-JP" altLang="en-US" smtClean="0"/>
+            <a:endParaRPr lang="ja-JP" altLang="en-US"/>
           </a:p>
         </p:txBody>
       </p:sp>
@@ -1669,7 +1669,7 @@
           <a:bodyPr/>
           <a:lstStyle/>
           <a:p>
-            <a:endParaRPr lang="ja-JP" altLang="en-US" smtClean="0"/>
+            <a:endParaRPr lang="ja-JP" altLang="en-US"/>
           </a:p>
         </p:txBody>
       </p:sp>
@@ -1938,7 +1938,7 @@
           <a:bodyPr/>
           <a:lstStyle/>
           <a:p>
-            <a:endParaRPr lang="ja-JP" altLang="en-US" smtClean="0"/>
+            <a:endParaRPr lang="ja-JP" altLang="en-US"/>
           </a:p>
         </p:txBody>
       </p:sp>
@@ -2358,14 +2358,14 @@
               <a:defRPr/>
             </a:pPr>
             <a:r>
-              <a:rPr lang="en-US" altLang="ja-JP" sz="1400" b="1" dirty="0" smtClean="0">
+              <a:rPr lang="en-US" altLang="ja-JP" sz="1400" b="1" dirty="0">
                 <a:solidFill>
                   <a:srgbClr val="C00000"/>
                 </a:solidFill>
               </a:rPr>
               <a:t>EFW MAKE IT EASY</a:t>
             </a:r>
-            <a:endParaRPr lang="ja-JP" altLang="en-US" sz="1400" b="1" dirty="0" smtClean="0">
+            <a:endParaRPr lang="ja-JP" altLang="en-US" sz="1400" b="1" dirty="0">
               <a:solidFill>
                 <a:srgbClr val="C00000"/>
               </a:solidFill>
@@ -2460,10 +2460,9 @@
           </a:lstStyle>
           <a:p>
             <a:r>
-              <a:rPr lang="ja-JP" altLang="en-US" smtClean="0"/>
+              <a:rPr lang="ja-JP" altLang="en-US"/>
               <a:t>マスター タイトルの書式設定</a:t>
             </a:r>
-            <a:endParaRPr lang="ja-JP" altLang="en-US"/>
           </a:p>
         </p:txBody>
       </p:sp>
@@ -2522,70 +2521,69 @@
           <a:p>
             <a:pPr lvl="0"/>
             <a:r>
-              <a:rPr lang="ja-JP" altLang="en-US" smtClean="0"/>
+              <a:rPr lang="ja-JP" altLang="en-US"/>
               <a:t>マスター テキストの書式設定</a:t>
             </a:r>
           </a:p>
           <a:p>
             <a:pPr lvl="1"/>
             <a:r>
-              <a:rPr lang="ja-JP" altLang="en-US" smtClean="0"/>
+              <a:rPr lang="ja-JP" altLang="en-US"/>
               <a:t>第 </a:t>
             </a:r>
             <a:r>
-              <a:rPr lang="en-US" altLang="ja-JP" smtClean="0"/>
+              <a:rPr lang="en-US" altLang="ja-JP"/>
               <a:t>2 </a:t>
             </a:r>
             <a:r>
-              <a:rPr lang="ja-JP" altLang="en-US" smtClean="0"/>
+              <a:rPr lang="ja-JP" altLang="en-US"/>
               <a:t>レベル</a:t>
             </a:r>
           </a:p>
           <a:p>
             <a:pPr lvl="2"/>
             <a:r>
-              <a:rPr lang="ja-JP" altLang="en-US" smtClean="0"/>
+              <a:rPr lang="ja-JP" altLang="en-US"/>
               <a:t>第 </a:t>
             </a:r>
             <a:r>
-              <a:rPr lang="en-US" altLang="ja-JP" smtClean="0"/>
+              <a:rPr lang="en-US" altLang="ja-JP"/>
               <a:t>3 </a:t>
             </a:r>
             <a:r>
-              <a:rPr lang="ja-JP" altLang="en-US" smtClean="0"/>
+              <a:rPr lang="ja-JP" altLang="en-US"/>
               <a:t>レベル</a:t>
             </a:r>
           </a:p>
           <a:p>
             <a:pPr lvl="3"/>
             <a:r>
-              <a:rPr lang="ja-JP" altLang="en-US" smtClean="0"/>
+              <a:rPr lang="ja-JP" altLang="en-US"/>
               <a:t>第 </a:t>
             </a:r>
             <a:r>
-              <a:rPr lang="en-US" altLang="ja-JP" smtClean="0"/>
+              <a:rPr lang="en-US" altLang="ja-JP"/>
               <a:t>4 </a:t>
             </a:r>
             <a:r>
-              <a:rPr lang="ja-JP" altLang="en-US" smtClean="0"/>
+              <a:rPr lang="ja-JP" altLang="en-US"/>
               <a:t>レベル</a:t>
             </a:r>
           </a:p>
           <a:p>
             <a:pPr lvl="4"/>
             <a:r>
-              <a:rPr lang="ja-JP" altLang="en-US" smtClean="0"/>
+              <a:rPr lang="ja-JP" altLang="en-US"/>
               <a:t>第 </a:t>
             </a:r>
             <a:r>
-              <a:rPr lang="en-US" altLang="ja-JP" smtClean="0"/>
+              <a:rPr lang="en-US" altLang="ja-JP"/>
               <a:t>5 </a:t>
             </a:r>
             <a:r>
-              <a:rPr lang="ja-JP" altLang="en-US" smtClean="0"/>
+              <a:rPr lang="ja-JP" altLang="en-US"/>
               <a:t>レベル</a:t>
             </a:r>
-            <a:endParaRPr lang="ja-JP" altLang="en-US"/>
           </a:p>
         </p:txBody>
       </p:sp>
@@ -2632,13 +2630,6 @@
   <p:clrMapOvr>
     <a:masterClrMapping/>
   </p:clrMapOvr>
-  <p:timing>
-    <p:tnLst>
-      <p:par>
-        <p:cTn id="1" dur="indefinite" restart="never" nodeType="tmRoot"/>
-      </p:par>
-    </p:tnLst>
-  </p:timing>
 </p:sldLayout>
 </file>
 
@@ -2719,7 +2710,7 @@
           <a:p>
             <a:pPr lvl="0"/>
             <a:r>
-              <a:rPr lang="ja-JP" altLang="en-US" smtClean="0"/>
+              <a:rPr lang="ja-JP" altLang="en-US"/>
               <a:t>マスター タイトルの書式設定</a:t>
             </a:r>
           </a:p>
@@ -2777,67 +2768,67 @@
           <a:p>
             <a:pPr lvl="0"/>
             <a:r>
-              <a:rPr lang="ja-JP" altLang="en-US" smtClean="0"/>
+              <a:rPr lang="ja-JP" altLang="en-US"/>
               <a:t>マスター テキストの書式設定</a:t>
             </a:r>
           </a:p>
           <a:p>
             <a:pPr lvl="1"/>
             <a:r>
-              <a:rPr lang="ja-JP" altLang="en-US" smtClean="0"/>
+              <a:rPr lang="ja-JP" altLang="en-US"/>
               <a:t>第 </a:t>
             </a:r>
             <a:r>
-              <a:rPr lang="en-US" altLang="ja-JP" smtClean="0"/>
+              <a:rPr lang="en-US" altLang="ja-JP"/>
               <a:t>2 </a:t>
             </a:r>
             <a:r>
-              <a:rPr lang="ja-JP" altLang="en-US" smtClean="0"/>
+              <a:rPr lang="ja-JP" altLang="en-US"/>
               <a:t>レベル</a:t>
             </a:r>
           </a:p>
           <a:p>
             <a:pPr lvl="2"/>
             <a:r>
-              <a:rPr lang="ja-JP" altLang="en-US" smtClean="0"/>
+              <a:rPr lang="ja-JP" altLang="en-US"/>
               <a:t>第 </a:t>
             </a:r>
             <a:r>
-              <a:rPr lang="en-US" altLang="ja-JP" smtClean="0"/>
+              <a:rPr lang="en-US" altLang="ja-JP"/>
               <a:t>3 </a:t>
             </a:r>
             <a:r>
-              <a:rPr lang="ja-JP" altLang="en-US" smtClean="0"/>
+              <a:rPr lang="ja-JP" altLang="en-US"/>
               <a:t>レベル</a:t>
             </a:r>
           </a:p>
           <a:p>
             <a:pPr lvl="3"/>
             <a:r>
-              <a:rPr lang="ja-JP" altLang="en-US" smtClean="0"/>
+              <a:rPr lang="ja-JP" altLang="en-US"/>
               <a:t>第 </a:t>
             </a:r>
             <a:r>
-              <a:rPr lang="en-US" altLang="ja-JP" smtClean="0"/>
+              <a:rPr lang="en-US" altLang="ja-JP"/>
               <a:t>4 </a:t>
             </a:r>
             <a:r>
-              <a:rPr lang="ja-JP" altLang="en-US" smtClean="0"/>
+              <a:rPr lang="ja-JP" altLang="en-US"/>
               <a:t>レベル</a:t>
             </a:r>
           </a:p>
           <a:p>
             <a:pPr lvl="4"/>
             <a:r>
-              <a:rPr lang="ja-JP" altLang="en-US" smtClean="0"/>
+              <a:rPr lang="ja-JP" altLang="en-US"/>
               <a:t>第 </a:t>
             </a:r>
             <a:r>
-              <a:rPr lang="en-US" altLang="ja-JP" smtClean="0"/>
+              <a:rPr lang="en-US" altLang="ja-JP"/>
               <a:t>5 </a:t>
             </a:r>
             <a:r>
-              <a:rPr lang="ja-JP" altLang="en-US" smtClean="0"/>
+              <a:rPr lang="ja-JP" altLang="en-US"/>
               <a:t>レベル</a:t>
             </a:r>
           </a:p>
@@ -2899,13 +2890,6 @@
   <p:sldLayoutIdLst>
     <p:sldLayoutId id="2147483814" r:id="rId1"/>
   </p:sldLayoutIdLst>
-  <p:timing>
-    <p:tnLst>
-      <p:par>
-        <p:cTn id="1" dur="indefinite" restart="never" nodeType="tmRoot"/>
-      </p:par>
-    </p:tnLst>
-  </p:timing>
   <p:hf hdr="0" ftr="0" dt="0"/>
   <p:txStyles>
     <p:titleStyle>
@@ -3500,7 +3484,7 @@
           </a:lstStyle>
           <a:p>
             <a:r>
-              <a:rPr lang="en-US" altLang="ja-JP" sz="3600" smtClean="0">
+              <a:rPr lang="en-US" altLang="ja-JP" sz="3600">
                 <a:latin typeface="Meiryo UI" pitchFamily="50" charset="-128"/>
                 <a:ea typeface="Meiryo UI" pitchFamily="50" charset="-128"/>
                 <a:cs typeface="Meiryo UI" pitchFamily="50" charset="-128"/>
@@ -3508,7 +3492,7 @@
               <a:t>DB</a:t>
             </a:r>
             <a:r>
-              <a:rPr lang="ja-JP" altLang="en-US" sz="3600" smtClean="0">
+              <a:rPr lang="ja-JP" altLang="en-US" sz="3600">
                 <a:latin typeface="Meiryo UI" pitchFamily="50" charset="-128"/>
                 <a:ea typeface="Meiryo UI" pitchFamily="50" charset="-128"/>
                 <a:cs typeface="Meiryo UI" pitchFamily="50" charset="-128"/>
@@ -3516,14 +3500,14 @@
               <a:t>処理</a:t>
             </a:r>
             <a:r>
-              <a:rPr lang="ja-JP" altLang="en-US" sz="3600" dirty="0" smtClean="0">
+              <a:rPr lang="ja-JP" altLang="en-US" sz="3600" dirty="0">
                 <a:latin typeface="Meiryo UI" pitchFamily="50" charset="-128"/>
                 <a:ea typeface="Meiryo UI" pitchFamily="50" charset="-128"/>
                 <a:cs typeface="Meiryo UI" pitchFamily="50" charset="-128"/>
               </a:rPr>
               <a:t>スピードの経験値</a:t>
             </a:r>
-            <a:endParaRPr lang="en-US" altLang="ja-JP" sz="3600" dirty="0" smtClean="0">
+            <a:endParaRPr lang="en-US" altLang="ja-JP" sz="3600" dirty="0">
               <a:latin typeface="Meiryo UI" pitchFamily="50" charset="-128"/>
               <a:ea typeface="Meiryo UI" pitchFamily="50" charset="-128"/>
               <a:cs typeface="Meiryo UI" pitchFamily="50" charset="-128"/>
@@ -3531,7 +3515,7 @@
           </a:p>
           <a:p>
             <a:r>
-              <a:rPr lang="en-US" altLang="ja-JP" sz="1400" dirty="0" smtClean="0">
+              <a:rPr lang="en-US" altLang="ja-JP" sz="1400" dirty="0">
                 <a:latin typeface="Meiryo UI" pitchFamily="50" charset="-128"/>
                 <a:ea typeface="Meiryo UI" pitchFamily="50" charset="-128"/>
                 <a:cs typeface="Meiryo UI" pitchFamily="50" charset="-128"/>
@@ -3754,7 +3738,7 @@
               <a:buNone/>
             </a:pPr>
             <a:r>
-              <a:rPr lang="en-US" altLang="ja-JP" sz="2400" dirty="0" smtClean="0">
+              <a:rPr lang="en-US" altLang="ja-JP" sz="2400" dirty="0">
                 <a:latin typeface="Meiryo UI" panose="020B0604030504040204" pitchFamily="50" charset="-128"/>
                 <a:ea typeface="Meiryo UI" panose="020B0604030504040204" pitchFamily="50" charset="-128"/>
                 <a:cs typeface="Meiryo UI" panose="020B0604030504040204" pitchFamily="50" charset="-128"/>
@@ -3770,17 +3754,13 @@
         </p:txBody>
       </p:sp>
     </p:spTree>
+    <p:custDataLst>
+      <p:tags r:id="rId1"/>
+    </p:custDataLst>
   </p:cSld>
   <p:clrMapOvr>
     <a:masterClrMapping/>
   </p:clrMapOvr>
-  <p:timing>
-    <p:tnLst>
-      <p:par>
-        <p:cTn id="1" dur="indefinite" restart="never" nodeType="tmRoot"/>
-      </p:par>
-    </p:tnLst>
-  </p:timing>
 </p:sld>
 </file>
 
@@ -3865,18 +3845,7 @@
                 <a:ea typeface="Meiryo UI" pitchFamily="50" charset="-128"/>
                 <a:cs typeface="Meiryo UI" pitchFamily="50" charset="-128"/>
               </a:rPr>
-              <a:t>１</a:t>
-            </a:r>
-            <a:r>
-              <a:rPr lang="ja-JP" altLang="en-US" sz="2800" dirty="0" smtClean="0">
-                <a:solidFill>
-                  <a:schemeClr val="tx2"/>
-                </a:solidFill>
-                <a:latin typeface="Meiryo UI" pitchFamily="50" charset="-128"/>
-                <a:ea typeface="Meiryo UI" pitchFamily="50" charset="-128"/>
-                <a:cs typeface="Meiryo UI" pitchFamily="50" charset="-128"/>
-              </a:rPr>
-              <a:t>．大量データ検索の実例</a:t>
+              <a:t>１．大量データ検索の実例</a:t>
             </a:r>
             <a:endParaRPr lang="ja-JP" altLang="en-US" sz="1600" dirty="0">
               <a:solidFill>
@@ -4174,7 +4143,7 @@
           <a:p>
             <a:pPr algn="ctr"/>
             <a:r>
-              <a:rPr lang="ja-JP" altLang="en-US" sz="1400" dirty="0" smtClean="0">
+              <a:rPr lang="ja-JP" altLang="en-US" sz="1400" dirty="0">
                 <a:solidFill>
                   <a:schemeClr val="bg1"/>
                 </a:solidFill>
@@ -4184,7 +4153,7 @@
               </a:rPr>
               <a:t>分割１</a:t>
             </a:r>
-            <a:endParaRPr lang="en-US" altLang="ja-JP" sz="1400" dirty="0" smtClean="0">
+            <a:endParaRPr lang="en-US" altLang="ja-JP" sz="1400" dirty="0">
               <a:solidFill>
                 <a:schemeClr val="bg1"/>
               </a:solidFill>
@@ -4196,7 +4165,7 @@
           <a:p>
             <a:pPr algn="ctr"/>
             <a:r>
-              <a:rPr kumimoji="1" lang="ja-JP" altLang="en-US" sz="1400" dirty="0" smtClean="0">
+              <a:rPr kumimoji="1" lang="ja-JP" altLang="en-US" sz="1400" dirty="0">
                 <a:solidFill>
                   <a:schemeClr val="bg1"/>
                 </a:solidFill>
@@ -4245,7 +4214,7 @@
           <a:p>
             <a:pPr algn="ctr"/>
             <a:r>
-              <a:rPr kumimoji="1" lang="ja-JP" altLang="en-US" sz="1400" dirty="0" smtClean="0">
+              <a:rPr kumimoji="1" lang="ja-JP" altLang="en-US" sz="1400" dirty="0">
                 <a:solidFill>
                   <a:schemeClr val="bg1"/>
                 </a:solidFill>
@@ -4255,7 +4224,7 @@
               </a:rPr>
               <a:t>分割２</a:t>
             </a:r>
-            <a:endParaRPr kumimoji="1" lang="en-US" altLang="ja-JP" sz="1400" dirty="0" smtClean="0">
+            <a:endParaRPr kumimoji="1" lang="en-US" altLang="ja-JP" sz="1400" dirty="0">
               <a:solidFill>
                 <a:schemeClr val="bg1"/>
               </a:solidFill>
@@ -4267,7 +4236,7 @@
           <a:p>
             <a:pPr algn="ctr"/>
             <a:r>
-              <a:rPr lang="ja-JP" altLang="en-US" sz="1400" dirty="0" smtClean="0">
+              <a:rPr lang="ja-JP" altLang="en-US" sz="1400" dirty="0">
                 <a:solidFill>
                   <a:schemeClr val="bg1"/>
                 </a:solidFill>
@@ -4277,7 +4246,7 @@
               </a:rPr>
               <a:t>２万件前後</a:t>
             </a:r>
-            <a:endParaRPr kumimoji="1" lang="ja-JP" altLang="en-US" sz="1400" dirty="0" smtClean="0">
+            <a:endParaRPr kumimoji="1" lang="ja-JP" altLang="en-US" sz="1400" dirty="0">
               <a:solidFill>
                 <a:schemeClr val="bg1"/>
               </a:solidFill>
@@ -4324,7 +4293,7 @@
           <a:p>
             <a:pPr algn="ctr"/>
             <a:r>
-              <a:rPr kumimoji="1" lang="ja-JP" altLang="en-US" sz="1400" dirty="0" smtClean="0">
+              <a:rPr kumimoji="1" lang="ja-JP" altLang="en-US" sz="1400" dirty="0">
                 <a:solidFill>
                   <a:schemeClr val="bg1"/>
                 </a:solidFill>
@@ -4334,7 +4303,7 @@
               </a:rPr>
               <a:t>分割２万・・・</a:t>
             </a:r>
-            <a:endParaRPr kumimoji="1" lang="en-US" altLang="ja-JP" sz="1400" dirty="0" smtClean="0">
+            <a:endParaRPr kumimoji="1" lang="en-US" altLang="ja-JP" sz="1400" dirty="0">
               <a:solidFill>
                 <a:schemeClr val="bg1"/>
               </a:solidFill>
@@ -4346,7 +4315,7 @@
           <a:p>
             <a:pPr algn="ctr"/>
             <a:r>
-              <a:rPr lang="ja-JP" altLang="en-US" sz="1400" dirty="0" smtClean="0">
+              <a:rPr lang="ja-JP" altLang="en-US" sz="1400" dirty="0">
                 <a:solidFill>
                   <a:schemeClr val="bg1"/>
                 </a:solidFill>
@@ -4356,7 +4325,7 @@
               </a:rPr>
               <a:t>２万件前後</a:t>
             </a:r>
-            <a:endParaRPr kumimoji="1" lang="ja-JP" altLang="en-US" sz="1400" dirty="0" smtClean="0">
+            <a:endParaRPr kumimoji="1" lang="ja-JP" altLang="en-US" sz="1400" dirty="0">
               <a:solidFill>
                 <a:schemeClr val="bg1"/>
               </a:solidFill>
@@ -4552,7 +4521,7 @@
           <a:p>
             <a:pPr algn="ctr"/>
             <a:r>
-              <a:rPr kumimoji="1" lang="ja-JP" altLang="en-US" sz="1400" dirty="0" smtClean="0">
+              <a:rPr kumimoji="1" lang="ja-JP" altLang="en-US" sz="1400" dirty="0">
                 <a:solidFill>
                   <a:schemeClr val="bg1"/>
                 </a:solidFill>
@@ -4562,7 +4531,7 @@
               </a:rPr>
               <a:t>自動車契約テーブル</a:t>
             </a:r>
-            <a:endParaRPr kumimoji="1" lang="en-US" altLang="ja-JP" sz="1400" dirty="0" smtClean="0">
+            <a:endParaRPr kumimoji="1" lang="en-US" altLang="ja-JP" sz="1400" dirty="0">
               <a:solidFill>
                 <a:schemeClr val="bg1"/>
               </a:solidFill>
@@ -4574,7 +4543,7 @@
           <a:p>
             <a:pPr algn="ctr"/>
             <a:r>
-              <a:rPr kumimoji="1" lang="ja-JP" altLang="en-US" sz="1400" dirty="0" smtClean="0">
+              <a:rPr kumimoji="1" lang="ja-JP" altLang="en-US" sz="1400" dirty="0">
                 <a:solidFill>
                   <a:schemeClr val="bg1"/>
                 </a:solidFill>
@@ -4585,7 +4554,7 @@
               <a:t>（</a:t>
             </a:r>
             <a:r>
-              <a:rPr lang="en-US" altLang="ja-JP" sz="1400" dirty="0" smtClean="0">
+              <a:rPr lang="en-US" altLang="ja-JP" sz="1400" dirty="0">
                 <a:solidFill>
                   <a:schemeClr val="bg1"/>
                 </a:solidFill>
@@ -4596,7 +4565,7 @@
               <a:t>AWS</a:t>
             </a:r>
             <a:r>
-              <a:rPr lang="ja-JP" altLang="en-US" sz="1400" dirty="0" smtClean="0">
+              <a:rPr lang="ja-JP" altLang="en-US" sz="1400" dirty="0">
                 <a:solidFill>
                   <a:schemeClr val="bg1"/>
                 </a:solidFill>
@@ -4607,7 +4576,7 @@
               <a:t>の</a:t>
             </a:r>
             <a:r>
-              <a:rPr lang="en-US" altLang="ja-JP" sz="1400" dirty="0" err="1" smtClean="0">
+              <a:rPr lang="en-US" altLang="ja-JP" sz="1400" dirty="0" err="1">
                 <a:solidFill>
                   <a:schemeClr val="bg1"/>
                 </a:solidFill>
@@ -4618,7 +4587,7 @@
               <a:t>postgreSQL</a:t>
             </a:r>
             <a:r>
-              <a:rPr lang="ja-JP" altLang="en-US" sz="1400" dirty="0" smtClean="0">
+              <a:rPr lang="ja-JP" altLang="en-US" sz="1400" dirty="0">
                 <a:solidFill>
                   <a:schemeClr val="bg1"/>
                 </a:solidFill>
@@ -4629,7 +4598,7 @@
               <a:t>サーバ、よいスペック設定</a:t>
             </a:r>
             <a:r>
-              <a:rPr kumimoji="1" lang="ja-JP" altLang="en-US" sz="1400" dirty="0" smtClean="0">
+              <a:rPr kumimoji="1" lang="ja-JP" altLang="en-US" sz="1400" dirty="0">
                 <a:solidFill>
                   <a:schemeClr val="bg1"/>
                 </a:solidFill>
@@ -4834,15 +4803,15 @@
                 <a:ea typeface="Meiryo UI" pitchFamily="50" charset="-128"/>
                 <a:cs typeface="Meiryo UI" pitchFamily="50" charset="-128"/>
               </a:rPr>
-              <a:t>索引なし</a:t>
-            </a:r>
-            <a:r>
-              <a:rPr lang="ja-JP" altLang="en-US" sz="1600" dirty="0" smtClean="0">
+              <a:t>索引なしの簡単な検索行って、数件を抽出する</a:t>
+            </a:r>
+            <a:r>
+              <a:rPr lang="en-US" altLang="ja-JP" sz="1600" dirty="0">
                 <a:latin typeface="Meiryo UI" pitchFamily="50" charset="-128"/>
                 <a:ea typeface="Meiryo UI" pitchFamily="50" charset="-128"/>
                 <a:cs typeface="Meiryo UI" pitchFamily="50" charset="-128"/>
               </a:rPr>
-              <a:t>の簡単な検索</a:t>
+              <a:t>SQL</a:t>
             </a:r>
             <a:r>
               <a:rPr lang="ja-JP" altLang="en-US" sz="1600" dirty="0">
@@ -4850,33 +4819,9 @@
                 <a:ea typeface="Meiryo UI" pitchFamily="50" charset="-128"/>
                 <a:cs typeface="Meiryo UI" pitchFamily="50" charset="-128"/>
               </a:rPr>
-              <a:t>行って</a:t>
-            </a:r>
-            <a:r>
-              <a:rPr lang="ja-JP" altLang="en-US" sz="1600" dirty="0" smtClean="0">
-                <a:latin typeface="Meiryo UI" pitchFamily="50" charset="-128"/>
-                <a:ea typeface="Meiryo UI" pitchFamily="50" charset="-128"/>
-                <a:cs typeface="Meiryo UI" pitchFamily="50" charset="-128"/>
-              </a:rPr>
-              <a:t>、数件を抽出する</a:t>
-            </a:r>
-            <a:r>
-              <a:rPr lang="en-US" altLang="ja-JP" sz="1600" dirty="0" smtClean="0">
-                <a:latin typeface="Meiryo UI" pitchFamily="50" charset="-128"/>
-                <a:ea typeface="Meiryo UI" pitchFamily="50" charset="-128"/>
-                <a:cs typeface="Meiryo UI" pitchFamily="50" charset="-128"/>
-              </a:rPr>
-              <a:t>SQL</a:t>
-            </a:r>
-            <a:r>
-              <a:rPr lang="ja-JP" altLang="en-US" sz="1600" dirty="0" smtClean="0">
-                <a:latin typeface="Meiryo UI" pitchFamily="50" charset="-128"/>
-                <a:ea typeface="Meiryo UI" pitchFamily="50" charset="-128"/>
-                <a:cs typeface="Meiryo UI" pitchFamily="50" charset="-128"/>
-              </a:rPr>
               <a:t>：</a:t>
             </a:r>
-            <a:endParaRPr lang="en-US" altLang="ja-JP" sz="1600" dirty="0" smtClean="0">
+            <a:endParaRPr lang="en-US" altLang="ja-JP" sz="1600" dirty="0">
               <a:latin typeface="Meiryo UI" pitchFamily="50" charset="-128"/>
               <a:ea typeface="Meiryo UI" pitchFamily="50" charset="-128"/>
               <a:cs typeface="Meiryo UI" pitchFamily="50" charset="-128"/>
@@ -4899,15 +4844,15 @@
                 <a:ea typeface="Meiryo UI" pitchFamily="50" charset="-128"/>
                 <a:cs typeface="Meiryo UI" pitchFamily="50" charset="-128"/>
               </a:rPr>
-              <a:t>select </a:t>
-            </a:r>
-            <a:r>
-              <a:rPr lang="en-US" altLang="ja-JP" sz="1600" dirty="0" smtClean="0">
+              <a:t>select count(*) from “</a:t>
+            </a:r>
+            <a:r>
+              <a:rPr lang="ja-JP" altLang="en-US" sz="1600" dirty="0">
                 <a:latin typeface="Meiryo UI" pitchFamily="50" charset="-128"/>
                 <a:ea typeface="Meiryo UI" pitchFamily="50" charset="-128"/>
                 <a:cs typeface="Meiryo UI" pitchFamily="50" charset="-128"/>
               </a:rPr>
-              <a:t>count(*) </a:t>
+              <a:t>自動車契約テーブル</a:t>
             </a:r>
             <a:r>
               <a:rPr lang="en-US" altLang="ja-JP" sz="1600" dirty="0">
@@ -4915,23 +4860,7 @@
                 <a:ea typeface="Meiryo UI" pitchFamily="50" charset="-128"/>
                 <a:cs typeface="Meiryo UI" pitchFamily="50" charset="-128"/>
               </a:rPr>
-              <a:t>from </a:t>
-            </a:r>
-            <a:r>
-              <a:rPr lang="en-US" altLang="ja-JP" sz="1600" dirty="0" smtClean="0">
-                <a:latin typeface="Meiryo UI" pitchFamily="50" charset="-128"/>
-                <a:ea typeface="Meiryo UI" pitchFamily="50" charset="-128"/>
-                <a:cs typeface="Meiryo UI" pitchFamily="50" charset="-128"/>
-              </a:rPr>
-              <a:t>“</a:t>
-            </a:r>
-            <a:r>
-              <a:rPr lang="ja-JP" altLang="en-US" sz="1600" dirty="0" smtClean="0">
-                <a:latin typeface="Meiryo UI" pitchFamily="50" charset="-128"/>
-                <a:ea typeface="Meiryo UI" pitchFamily="50" charset="-128"/>
-                <a:cs typeface="Meiryo UI" pitchFamily="50" charset="-128"/>
-              </a:rPr>
-              <a:t>自動車</a:t>
+              <a:t>XXXX”</a:t>
             </a:r>
             <a:r>
               <a:rPr lang="ja-JP" altLang="en-US" sz="1600" dirty="0">
@@ -4939,47 +4868,15 @@
                 <a:ea typeface="Meiryo UI" pitchFamily="50" charset="-128"/>
                 <a:cs typeface="Meiryo UI" pitchFamily="50" charset="-128"/>
               </a:rPr>
-              <a:t>契約</a:t>
-            </a:r>
-            <a:r>
-              <a:rPr lang="ja-JP" altLang="en-US" sz="1600" dirty="0" smtClean="0">
+              <a:t>　</a:t>
+            </a:r>
+            <a:r>
+              <a:rPr lang="en-US" altLang="ja-JP" sz="1600" dirty="0">
                 <a:latin typeface="Meiryo UI" pitchFamily="50" charset="-128"/>
                 <a:ea typeface="Meiryo UI" pitchFamily="50" charset="-128"/>
                 <a:cs typeface="Meiryo UI" pitchFamily="50" charset="-128"/>
               </a:rPr>
-              <a:t>テーブル</a:t>
-            </a:r>
-            <a:r>
-              <a:rPr lang="en-US" altLang="ja-JP" sz="1600" dirty="0" smtClean="0">
-                <a:latin typeface="Meiryo UI" pitchFamily="50" charset="-128"/>
-                <a:ea typeface="Meiryo UI" pitchFamily="50" charset="-128"/>
-                <a:cs typeface="Meiryo UI" pitchFamily="50" charset="-128"/>
-              </a:rPr>
-              <a:t>XXXX”</a:t>
-            </a:r>
-            <a:r>
-              <a:rPr lang="ja-JP" altLang="en-US" sz="1600" dirty="0" smtClean="0">
-                <a:latin typeface="Meiryo UI" pitchFamily="50" charset="-128"/>
-                <a:ea typeface="Meiryo UI" pitchFamily="50" charset="-128"/>
-                <a:cs typeface="Meiryo UI" pitchFamily="50" charset="-128"/>
-              </a:rPr>
-              <a:t>　</a:t>
-            </a:r>
-            <a:r>
-              <a:rPr lang="en-US" altLang="ja-JP" sz="1600" dirty="0" smtClean="0">
-                <a:latin typeface="Meiryo UI" pitchFamily="50" charset="-128"/>
-                <a:ea typeface="Meiryo UI" pitchFamily="50" charset="-128"/>
-                <a:cs typeface="Meiryo UI" pitchFamily="50" charset="-128"/>
-              </a:rPr>
               <a:t>where “</a:t>
-            </a:r>
-            <a:r>
-              <a:rPr lang="ja-JP" altLang="en-US" sz="1600" dirty="0" smtClean="0">
-                <a:latin typeface="Meiryo UI" pitchFamily="50" charset="-128"/>
-                <a:ea typeface="Meiryo UI" pitchFamily="50" charset="-128"/>
-                <a:cs typeface="Meiryo UI" pitchFamily="50" charset="-128"/>
-              </a:rPr>
-              <a:t>車検</a:t>
             </a:r>
             <a:r>
               <a:rPr lang="ja-JP" altLang="en-US" sz="1600" dirty="0">
@@ -4987,10 +4884,10 @@
                 <a:ea typeface="Meiryo UI" pitchFamily="50" charset="-128"/>
                 <a:cs typeface="Meiryo UI" pitchFamily="50" charset="-128"/>
               </a:rPr>
-              <a:t>満了日</a:t>
-            </a:r>
-            <a:r>
-              <a:rPr lang="en-US" altLang="ja-JP" sz="1600" dirty="0" smtClean="0">
+              <a:t>車検満了日</a:t>
+            </a:r>
+            <a:r>
+              <a:rPr lang="en-US" altLang="ja-JP" sz="1600" dirty="0">
                 <a:latin typeface="Meiryo UI" pitchFamily="50" charset="-128"/>
                 <a:ea typeface="Meiryo UI" pitchFamily="50" charset="-128"/>
                 <a:cs typeface="Meiryo UI" pitchFamily="50" charset="-128"/>
@@ -5009,7 +4906,7 @@
               <a:buFontTx/>
               <a:buNone/>
             </a:pPr>
-            <a:endParaRPr lang="en-US" altLang="ja-JP" sz="1600" dirty="0" smtClean="0">
+            <a:endParaRPr lang="en-US" altLang="ja-JP" sz="1600" dirty="0">
               <a:latin typeface="Meiryo UI" pitchFamily="50" charset="-128"/>
               <a:ea typeface="Meiryo UI" pitchFamily="50" charset="-128"/>
               <a:cs typeface="Meiryo UI" pitchFamily="50" charset="-128"/>
@@ -5027,7 +4924,7 @@
               <a:buNone/>
             </a:pPr>
             <a:r>
-              <a:rPr lang="ja-JP" altLang="en-US" sz="1600" dirty="0" smtClean="0">
+              <a:rPr lang="ja-JP" altLang="en-US" sz="1600" dirty="0">
                 <a:latin typeface="Meiryo UI" pitchFamily="50" charset="-128"/>
                 <a:ea typeface="Meiryo UI" pitchFamily="50" charset="-128"/>
                 <a:cs typeface="Meiryo UI" pitchFamily="50" charset="-128"/>
@@ -5035,7 +4932,7 @@
               <a:t>全データ量：</a:t>
             </a:r>
             <a:r>
-              <a:rPr lang="en-US" altLang="ja-JP" sz="1600" dirty="0" smtClean="0">
+              <a:rPr lang="en-US" altLang="ja-JP" sz="1600" dirty="0">
                 <a:latin typeface="Meiryo UI" pitchFamily="50" charset="-128"/>
                 <a:ea typeface="Meiryo UI" pitchFamily="50" charset="-128"/>
                 <a:cs typeface="Meiryo UI" pitchFamily="50" charset="-128"/>
@@ -5043,7 +4940,7 @@
               <a:t>18188825</a:t>
             </a:r>
             <a:r>
-              <a:rPr lang="ja-JP" altLang="en-US" sz="1600" dirty="0" smtClean="0">
+              <a:rPr lang="ja-JP" altLang="en-US" sz="1600" dirty="0">
                 <a:latin typeface="Meiryo UI" pitchFamily="50" charset="-128"/>
                 <a:ea typeface="Meiryo UI" pitchFamily="50" charset="-128"/>
                 <a:cs typeface="Meiryo UI" pitchFamily="50" charset="-128"/>
@@ -5051,7 +4948,7 @@
               <a:t>件の場合、</a:t>
             </a:r>
             <a:r>
-              <a:rPr lang="en-US" altLang="ja-JP" sz="1600" dirty="0" smtClean="0">
+              <a:rPr lang="en-US" altLang="ja-JP" sz="1600" dirty="0">
                 <a:latin typeface="Meiryo UI" pitchFamily="50" charset="-128"/>
                 <a:ea typeface="Meiryo UI" pitchFamily="50" charset="-128"/>
                 <a:cs typeface="Meiryo UI" pitchFamily="50" charset="-128"/>
@@ -5059,14 +4956,14 @@
               <a:t>269</a:t>
             </a:r>
             <a:r>
-              <a:rPr lang="ja-JP" altLang="en-US" sz="1600" dirty="0" smtClean="0">
+              <a:rPr lang="ja-JP" altLang="en-US" sz="1600" dirty="0">
                 <a:latin typeface="Meiryo UI" pitchFamily="50" charset="-128"/>
                 <a:ea typeface="Meiryo UI" pitchFamily="50" charset="-128"/>
                 <a:cs typeface="Meiryo UI" pitchFamily="50" charset="-128"/>
               </a:rPr>
               <a:t>秒かかる。</a:t>
             </a:r>
-            <a:endParaRPr lang="en-US" altLang="ja-JP" sz="1600" dirty="0" smtClean="0">
+            <a:endParaRPr lang="en-US" altLang="ja-JP" sz="1600" dirty="0">
               <a:latin typeface="Meiryo UI" pitchFamily="50" charset="-128"/>
               <a:ea typeface="Meiryo UI" pitchFamily="50" charset="-128"/>
               <a:cs typeface="Meiryo UI" pitchFamily="50" charset="-128"/>
@@ -5092,52 +4989,12 @@
               <a:t>1</a:t>
             </a:r>
             <a:r>
-              <a:rPr lang="ja-JP" altLang="en-US" sz="1600" dirty="0" err="1" smtClean="0">
+              <a:rPr lang="ja-JP" altLang="en-US" sz="1600" dirty="0" err="1">
                 <a:latin typeface="Meiryo UI" pitchFamily="50" charset="-128"/>
                 <a:ea typeface="Meiryo UI" pitchFamily="50" charset="-128"/>
                 <a:cs typeface="Meiryo UI" pitchFamily="50" charset="-128"/>
               </a:rPr>
               <a:t>つの</a:t>
-            </a:r>
-            <a:r>
-              <a:rPr lang="ja-JP" altLang="en-US" sz="1600" dirty="0" smtClean="0">
-                <a:latin typeface="Meiryo UI" pitchFamily="50" charset="-128"/>
-                <a:ea typeface="Meiryo UI" pitchFamily="50" charset="-128"/>
-                <a:cs typeface="Meiryo UI" pitchFamily="50" charset="-128"/>
-              </a:rPr>
-              <a:t>分割：</a:t>
-            </a:r>
-            <a:r>
-              <a:rPr lang="en-US" altLang="ja-JP" sz="1600" dirty="0" smtClean="0">
-                <a:latin typeface="Meiryo UI" pitchFamily="50" charset="-128"/>
-                <a:ea typeface="Meiryo UI" pitchFamily="50" charset="-128"/>
-                <a:cs typeface="Meiryo UI" pitchFamily="50" charset="-128"/>
-              </a:rPr>
-              <a:t>27773</a:t>
-            </a:r>
-            <a:r>
-              <a:rPr lang="ja-JP" altLang="en-US" sz="1600" dirty="0" smtClean="0">
-                <a:latin typeface="Meiryo UI" pitchFamily="50" charset="-128"/>
-                <a:ea typeface="Meiryo UI" pitchFamily="50" charset="-128"/>
-                <a:cs typeface="Meiryo UI" pitchFamily="50" charset="-128"/>
-              </a:rPr>
-              <a:t>件の場合、０</a:t>
-            </a:r>
-            <a:r>
-              <a:rPr lang="en-US" altLang="ja-JP" sz="1600" dirty="0" smtClean="0">
-                <a:latin typeface="Meiryo UI" pitchFamily="50" charset="-128"/>
-                <a:ea typeface="Meiryo UI" pitchFamily="50" charset="-128"/>
-                <a:cs typeface="Meiryo UI" pitchFamily="50" charset="-128"/>
-              </a:rPr>
-              <a:t>.271</a:t>
-            </a:r>
-            <a:r>
-              <a:rPr lang="ja-JP" altLang="en-US" sz="1600" dirty="0" smtClean="0">
-                <a:latin typeface="Meiryo UI" pitchFamily="50" charset="-128"/>
-                <a:ea typeface="Meiryo UI" pitchFamily="50" charset="-128"/>
-                <a:cs typeface="Meiryo UI" pitchFamily="50" charset="-128"/>
-              </a:rPr>
-              <a:t>秒</a:t>
             </a:r>
             <a:r>
               <a:rPr lang="ja-JP" altLang="en-US" sz="1600" dirty="0">
@@ -5145,17 +5002,41 @@
                 <a:ea typeface="Meiryo UI" pitchFamily="50" charset="-128"/>
                 <a:cs typeface="Meiryo UI" pitchFamily="50" charset="-128"/>
               </a:rPr>
-              <a:t>かかる</a:t>
-            </a:r>
-            <a:r>
-              <a:rPr lang="ja-JP" altLang="en-US" sz="1600" dirty="0" smtClean="0">
+              <a:t>分割：</a:t>
+            </a:r>
+            <a:r>
+              <a:rPr lang="en-US" altLang="ja-JP" sz="1600" dirty="0">
                 <a:latin typeface="Meiryo UI" pitchFamily="50" charset="-128"/>
                 <a:ea typeface="Meiryo UI" pitchFamily="50" charset="-128"/>
                 <a:cs typeface="Meiryo UI" pitchFamily="50" charset="-128"/>
               </a:rPr>
-              <a:t>。</a:t>
-            </a:r>
-            <a:endParaRPr lang="en-US" altLang="ja-JP" sz="1600" dirty="0" smtClean="0">
+              <a:t>27773</a:t>
+            </a:r>
+            <a:r>
+              <a:rPr lang="ja-JP" altLang="en-US" sz="1600" dirty="0">
+                <a:latin typeface="Meiryo UI" pitchFamily="50" charset="-128"/>
+                <a:ea typeface="Meiryo UI" pitchFamily="50" charset="-128"/>
+                <a:cs typeface="Meiryo UI" pitchFamily="50" charset="-128"/>
+              </a:rPr>
+              <a:t>件の場合、０</a:t>
+            </a:r>
+            <a:r>
+              <a:rPr lang="en-US" altLang="ja-JP" sz="1600" dirty="0">
+                <a:latin typeface="Meiryo UI" pitchFamily="50" charset="-128"/>
+                <a:ea typeface="Meiryo UI" pitchFamily="50" charset="-128"/>
+                <a:cs typeface="Meiryo UI" pitchFamily="50" charset="-128"/>
+              </a:rPr>
+              <a:t>.271</a:t>
+            </a:r>
+            <a:r>
+              <a:rPr lang="ja-JP" altLang="en-US" sz="1600" dirty="0">
+                <a:latin typeface="Meiryo UI" pitchFamily="50" charset="-128"/>
+                <a:ea typeface="Meiryo UI" pitchFamily="50" charset="-128"/>
+                <a:cs typeface="Meiryo UI" pitchFamily="50" charset="-128"/>
+              </a:rPr>
+              <a:t>秒かかる。</a:t>
+            </a:r>
+            <a:endParaRPr lang="en-US" altLang="ja-JP" sz="1600" dirty="0">
               <a:latin typeface="Meiryo UI" pitchFamily="50" charset="-128"/>
               <a:ea typeface="Meiryo UI" pitchFamily="50" charset="-128"/>
               <a:cs typeface="Meiryo UI" pitchFamily="50" charset="-128"/>
@@ -5188,65 +5069,49 @@
               <a:buNone/>
             </a:pPr>
             <a:r>
-              <a:rPr lang="ja-JP" altLang="en-US" sz="1600" dirty="0" smtClean="0">
-                <a:latin typeface="Meiryo UI" pitchFamily="50" charset="-128"/>
-                <a:ea typeface="Meiryo UI" pitchFamily="50" charset="-128"/>
-                <a:cs typeface="Meiryo UI" pitchFamily="50" charset="-128"/>
-              </a:rPr>
-              <a:t>つまり</a:t>
-            </a:r>
-            <a:r>
               <a:rPr lang="ja-JP" altLang="en-US" sz="1600" dirty="0">
                 <a:latin typeface="Meiryo UI" pitchFamily="50" charset="-128"/>
                 <a:ea typeface="Meiryo UI" pitchFamily="50" charset="-128"/>
                 <a:cs typeface="Meiryo UI" pitchFamily="50" charset="-128"/>
               </a:rPr>
-              <a:t>、</a:t>
-            </a:r>
-            <a:r>
-              <a:rPr lang="ja-JP" altLang="en-US" sz="1600" dirty="0" smtClean="0">
+              <a:t>つまり、「</a:t>
+            </a:r>
+            <a:r>
+              <a:rPr lang="ja-JP" altLang="en-US" sz="1600" dirty="0">
+                <a:solidFill>
+                  <a:srgbClr val="FF0000"/>
+                </a:solidFill>
                 <a:latin typeface="Meiryo UI" pitchFamily="50" charset="-128"/>
                 <a:ea typeface="Meiryo UI" pitchFamily="50" charset="-128"/>
                 <a:cs typeface="Meiryo UI" pitchFamily="50" charset="-128"/>
               </a:rPr>
-              <a:t>「</a:t>
-            </a:r>
-            <a:r>
-              <a:rPr lang="ja-JP" altLang="en-US" sz="1600" dirty="0" smtClean="0">
-                <a:solidFill>
-                  <a:srgbClr val="FF0000"/>
-                </a:solidFill>
+              <a:t>　１秒１０万件　</a:t>
+            </a:r>
+            <a:r>
+              <a:rPr lang="ja-JP" altLang="en-US" sz="1600" dirty="0">
                 <a:latin typeface="Meiryo UI" pitchFamily="50" charset="-128"/>
                 <a:ea typeface="Meiryo UI" pitchFamily="50" charset="-128"/>
                 <a:cs typeface="Meiryo UI" pitchFamily="50" charset="-128"/>
               </a:rPr>
-              <a:t>　１秒１０万件　</a:t>
-            </a:r>
-            <a:r>
-              <a:rPr lang="ja-JP" altLang="en-US" sz="1600" dirty="0" smtClean="0">
+              <a:t>」</a:t>
+            </a:r>
+            <a:r>
+              <a:rPr lang="ja-JP" altLang="en-US" sz="1600">
                 <a:latin typeface="Meiryo UI" pitchFamily="50" charset="-128"/>
                 <a:ea typeface="Meiryo UI" pitchFamily="50" charset="-128"/>
                 <a:cs typeface="Meiryo UI" pitchFamily="50" charset="-128"/>
               </a:rPr>
-              <a:t>」</a:t>
-            </a:r>
-            <a:r>
-              <a:rPr lang="ja-JP" altLang="en-US" sz="1600" smtClean="0">
+              <a:t>　ぐらいの</a:t>
+            </a:r>
+            <a:r>
+              <a:rPr lang="ja-JP" altLang="en-US" sz="1600" dirty="0">
                 <a:latin typeface="Meiryo UI" pitchFamily="50" charset="-128"/>
                 <a:ea typeface="Meiryo UI" pitchFamily="50" charset="-128"/>
                 <a:cs typeface="Meiryo UI" pitchFamily="50" charset="-128"/>
               </a:rPr>
-              <a:t>　ぐらいの</a:t>
-            </a:r>
-            <a:r>
-              <a:rPr lang="ja-JP" altLang="en-US" sz="1600" dirty="0" smtClean="0">
-                <a:latin typeface="Meiryo UI" pitchFamily="50" charset="-128"/>
-                <a:ea typeface="Meiryo UI" pitchFamily="50" charset="-128"/>
-                <a:cs typeface="Meiryo UI" pitchFamily="50" charset="-128"/>
-              </a:rPr>
               <a:t>索引なし検索は可能。</a:t>
             </a:r>
-            <a:endParaRPr lang="en-US" altLang="ja-JP" sz="1600" dirty="0" smtClean="0">
+            <a:endParaRPr lang="en-US" altLang="ja-JP" sz="1600" dirty="0">
               <a:latin typeface="Meiryo UI" pitchFamily="50" charset="-128"/>
               <a:ea typeface="Meiryo UI" pitchFamily="50" charset="-128"/>
               <a:cs typeface="Meiryo UI" pitchFamily="50" charset="-128"/>
@@ -5263,7 +5128,7 @@
               <a:buNone/>
             </a:pPr>
             <a:r>
-              <a:rPr lang="en-US" altLang="ja-JP" sz="1600" dirty="0" smtClean="0">
+              <a:rPr lang="en-US" altLang="ja-JP" sz="1600" dirty="0">
                 <a:latin typeface="Meiryo UI" pitchFamily="50" charset="-128"/>
                 <a:ea typeface="Meiryo UI" pitchFamily="50" charset="-128"/>
                 <a:cs typeface="Meiryo UI" pitchFamily="50" charset="-128"/>
@@ -5271,7 +5136,7 @@
               <a:t>※</a:t>
             </a:r>
             <a:r>
-              <a:rPr lang="ja-JP" altLang="en-US" sz="1600" dirty="0" smtClean="0">
+              <a:rPr lang="ja-JP" altLang="en-US" sz="1600" dirty="0">
                 <a:latin typeface="Meiryo UI" pitchFamily="50" charset="-128"/>
                 <a:ea typeface="Meiryo UI" pitchFamily="50" charset="-128"/>
                 <a:cs typeface="Meiryo UI" pitchFamily="50" charset="-128"/>
@@ -5287,6 +5152,9 @@
         </p:txBody>
       </p:sp>
     </p:spTree>
+    <p:custDataLst>
+      <p:tags r:id="rId1"/>
+    </p:custDataLst>
     <p:extLst>
       <p:ext uri="{BB962C8B-B14F-4D97-AF65-F5344CB8AC3E}">
         <p14:creationId xmlns:p14="http://schemas.microsoft.com/office/powerpoint/2010/main" val="3406842888"/>
@@ -5296,13 +5164,6 @@
   <p:clrMapOvr>
     <a:masterClrMapping/>
   </p:clrMapOvr>
-  <p:timing>
-    <p:tnLst>
-      <p:par>
-        <p:cTn id="1" dur="indefinite" restart="never" nodeType="tmRoot"/>
-      </p:par>
-    </p:tnLst>
-  </p:timing>
 </p:sld>
 </file>
 
@@ -5494,7 +5355,7 @@
               <a:buNone/>
             </a:pPr>
             <a:r>
-              <a:rPr lang="ja-JP" altLang="en-US" sz="1600" dirty="0" smtClean="0">
+              <a:rPr lang="ja-JP" altLang="en-US" sz="1600" dirty="0">
                 <a:solidFill>
                   <a:srgbClr val="002060"/>
                 </a:solidFill>
@@ -5502,31 +5363,9 @@
                 <a:ea typeface="Meiryo UI" pitchFamily="50" charset="-128"/>
                 <a:cs typeface="Meiryo UI" pitchFamily="50" charset="-128"/>
               </a:rPr>
-              <a:t>１件特定</a:t>
-            </a:r>
-            <a:r>
-              <a:rPr lang="ja-JP" altLang="en-US" sz="1600" dirty="0" smtClean="0">
-                <a:solidFill>
-                  <a:srgbClr val="002060"/>
-                </a:solidFill>
-                <a:latin typeface="Meiryo UI" pitchFamily="50" charset="-128"/>
-                <a:ea typeface="Meiryo UI" pitchFamily="50" charset="-128"/>
-                <a:cs typeface="Meiryo UI" pitchFamily="50" charset="-128"/>
-              </a:rPr>
-              <a:t>の検索</a:t>
-            </a:r>
-            <a:r>
-              <a:rPr lang="ja-JP" altLang="en-US" sz="1600" dirty="0" smtClean="0">
-                <a:solidFill>
-                  <a:srgbClr val="002060"/>
-                </a:solidFill>
-                <a:latin typeface="Meiryo UI" pitchFamily="50" charset="-128"/>
-                <a:ea typeface="Meiryo UI" pitchFamily="50" charset="-128"/>
-                <a:cs typeface="Meiryo UI" pitchFamily="50" charset="-128"/>
-              </a:rPr>
-              <a:t>回数</a:t>
-            </a:r>
-            <a:endParaRPr lang="en-US" altLang="ja-JP" sz="1600" dirty="0" smtClean="0">
+              <a:t>１件特定の検索回数</a:t>
+            </a:r>
+            <a:endParaRPr lang="en-US" altLang="ja-JP" sz="1600" dirty="0">
               <a:solidFill>
                 <a:srgbClr val="002060"/>
               </a:solidFill>
@@ -5562,12 +5401,48 @@
                 <a:tableStyleId>{5C22544A-7EE6-4342-B048-85BDC9FD1C3A}</a:tableStyleId>
               </a:tblPr>
               <a:tblGrid>
-                <a:gridCol w="1709511"/>
-                <a:gridCol w="1407885"/>
-                <a:gridCol w="1364343"/>
-                <a:gridCol w="1378857"/>
-                <a:gridCol w="1349829"/>
-                <a:gridCol w="1368957"/>
+                <a:gridCol w="1709511">
+                  <a:extLst>
+                    <a:ext uri="{9D8B030D-6E8A-4147-A177-3AD203B41FA5}">
+                      <a16:colId xmlns:a16="http://schemas.microsoft.com/office/drawing/2014/main" val="20000"/>
+                    </a:ext>
+                  </a:extLst>
+                </a:gridCol>
+                <a:gridCol w="1407885">
+                  <a:extLst>
+                    <a:ext uri="{9D8B030D-6E8A-4147-A177-3AD203B41FA5}">
+                      <a16:colId xmlns:a16="http://schemas.microsoft.com/office/drawing/2014/main" val="20001"/>
+                    </a:ext>
+                  </a:extLst>
+                </a:gridCol>
+                <a:gridCol w="1364343">
+                  <a:extLst>
+                    <a:ext uri="{9D8B030D-6E8A-4147-A177-3AD203B41FA5}">
+                      <a16:colId xmlns:a16="http://schemas.microsoft.com/office/drawing/2014/main" val="20002"/>
+                    </a:ext>
+                  </a:extLst>
+                </a:gridCol>
+                <a:gridCol w="1378857">
+                  <a:extLst>
+                    <a:ext uri="{9D8B030D-6E8A-4147-A177-3AD203B41FA5}">
+                      <a16:colId xmlns:a16="http://schemas.microsoft.com/office/drawing/2014/main" val="20003"/>
+                    </a:ext>
+                  </a:extLst>
+                </a:gridCol>
+                <a:gridCol w="1349829">
+                  <a:extLst>
+                    <a:ext uri="{9D8B030D-6E8A-4147-A177-3AD203B41FA5}">
+                      <a16:colId xmlns:a16="http://schemas.microsoft.com/office/drawing/2014/main" val="20004"/>
+                    </a:ext>
+                  </a:extLst>
+                </a:gridCol>
+                <a:gridCol w="1368957">
+                  <a:extLst>
+                    <a:ext uri="{9D8B030D-6E8A-4147-A177-3AD203B41FA5}">
+                      <a16:colId xmlns:a16="http://schemas.microsoft.com/office/drawing/2014/main" val="20005"/>
+                    </a:ext>
+                  </a:extLst>
+                </a:gridCol>
               </a:tblGrid>
               <a:tr h="370840">
                 <a:tc>
@@ -5576,10 +5451,9 @@
                     <a:lstStyle/>
                     <a:p>
                       <a:r>
-                        <a:rPr kumimoji="1" lang="ja-JP" altLang="en-US" dirty="0" smtClean="0"/>
+                        <a:rPr kumimoji="1" lang="ja-JP" altLang="en-US" dirty="0"/>
                         <a:t>ケース</a:t>
                       </a:r>
-                      <a:endParaRPr kumimoji="1" lang="ja-JP" altLang="en-US" dirty="0"/>
                     </a:p>
                   </a:txBody>
                   <a:tcPr/>
@@ -5590,14 +5464,13 @@
                     <a:lstStyle/>
                     <a:p>
                       <a:r>
-                        <a:rPr kumimoji="1" lang="en-US" altLang="ja-JP" dirty="0" smtClean="0"/>
+                        <a:rPr kumimoji="1" lang="en-US" altLang="ja-JP" dirty="0"/>
                         <a:t>2</a:t>
                       </a:r>
                       <a:r>
-                        <a:rPr kumimoji="1" lang="ja-JP" altLang="en-US" dirty="0" smtClean="0"/>
+                        <a:rPr kumimoji="1" lang="ja-JP" altLang="en-US" dirty="0"/>
                         <a:t>万件</a:t>
                       </a:r>
-                      <a:endParaRPr kumimoji="1" lang="ja-JP" altLang="en-US" dirty="0"/>
                     </a:p>
                   </a:txBody>
                   <a:tcPr/>
@@ -5608,14 +5481,13 @@
                     <a:lstStyle/>
                     <a:p>
                       <a:r>
-                        <a:rPr kumimoji="1" lang="en-US" altLang="ja-JP" dirty="0" smtClean="0"/>
+                        <a:rPr kumimoji="1" lang="en-US" altLang="ja-JP" dirty="0"/>
                         <a:t>10</a:t>
                       </a:r>
                       <a:r>
-                        <a:rPr kumimoji="1" lang="ja-JP" altLang="en-US" dirty="0" smtClean="0"/>
+                        <a:rPr kumimoji="1" lang="ja-JP" altLang="en-US" dirty="0"/>
                         <a:t>万件</a:t>
                       </a:r>
-                      <a:endParaRPr kumimoji="1" lang="ja-JP" altLang="en-US" dirty="0"/>
                     </a:p>
                   </a:txBody>
                   <a:tcPr/>
@@ -5626,14 +5498,13 @@
                     <a:lstStyle/>
                     <a:p>
                       <a:r>
-                        <a:rPr kumimoji="1" lang="en-US" altLang="ja-JP" dirty="0" smtClean="0"/>
+                        <a:rPr kumimoji="1" lang="en-US" altLang="ja-JP" dirty="0"/>
                         <a:t>100</a:t>
                       </a:r>
                       <a:r>
-                        <a:rPr kumimoji="1" lang="ja-JP" altLang="en-US" dirty="0" smtClean="0"/>
+                        <a:rPr kumimoji="1" lang="ja-JP" altLang="en-US" dirty="0"/>
                         <a:t>万件</a:t>
                       </a:r>
-                      <a:endParaRPr kumimoji="1" lang="ja-JP" altLang="en-US" dirty="0"/>
                     </a:p>
                   </a:txBody>
                   <a:tcPr/>
@@ -5644,14 +5515,13 @@
                     <a:lstStyle/>
                     <a:p>
                       <a:r>
-                        <a:rPr kumimoji="1" lang="en-US" altLang="ja-JP" dirty="0" smtClean="0"/>
+                        <a:rPr kumimoji="1" lang="en-US" altLang="ja-JP" dirty="0"/>
                         <a:t>500</a:t>
                       </a:r>
                       <a:r>
-                        <a:rPr kumimoji="1" lang="ja-JP" altLang="en-US" dirty="0" smtClean="0"/>
+                        <a:rPr kumimoji="1" lang="ja-JP" altLang="en-US" dirty="0"/>
                         <a:t>万件</a:t>
                       </a:r>
-                      <a:endParaRPr kumimoji="1" lang="ja-JP" altLang="en-US" dirty="0"/>
                     </a:p>
                   </a:txBody>
                   <a:tcPr/>
@@ -5662,18 +5532,22 @@
                     <a:lstStyle/>
                     <a:p>
                       <a:r>
-                        <a:rPr kumimoji="1" lang="en-US" altLang="ja-JP" dirty="0" smtClean="0"/>
+                        <a:rPr kumimoji="1" lang="en-US" altLang="ja-JP" dirty="0"/>
                         <a:t>5000</a:t>
                       </a:r>
                       <a:r>
-                        <a:rPr kumimoji="1" lang="ja-JP" altLang="en-US" dirty="0" smtClean="0"/>
+                        <a:rPr kumimoji="1" lang="ja-JP" altLang="en-US" dirty="0"/>
                         <a:t>万件</a:t>
                       </a:r>
-                      <a:endParaRPr kumimoji="1" lang="ja-JP" altLang="en-US" dirty="0"/>
                     </a:p>
                   </a:txBody>
                   <a:tcPr/>
                 </a:tc>
+                <a:extLst>
+                  <a:ext uri="{0D108BD9-81ED-4DB2-BD59-A6C34878D82A}">
+                    <a16:rowId xmlns:a16="http://schemas.microsoft.com/office/drawing/2014/main" val="10000"/>
+                  </a:ext>
+                </a:extLst>
               </a:tr>
               <a:tr h="370840">
                 <a:tc>
@@ -5682,14 +5556,13 @@
                     <a:lstStyle/>
                     <a:p>
                       <a:r>
-                        <a:rPr kumimoji="1" lang="en-US" altLang="ja-JP" dirty="0" smtClean="0"/>
+                        <a:rPr kumimoji="1" lang="en-US" altLang="ja-JP" dirty="0"/>
                         <a:t>PK</a:t>
                       </a:r>
                       <a:r>
-                        <a:rPr kumimoji="1" lang="ja-JP" altLang="en-US" dirty="0" smtClean="0"/>
+                        <a:rPr kumimoji="1" lang="ja-JP" altLang="en-US" dirty="0"/>
                         <a:t>あり</a:t>
                       </a:r>
-                      <a:endParaRPr kumimoji="1" lang="ja-JP" altLang="en-US" dirty="0"/>
                     </a:p>
                   </a:txBody>
                   <a:tcPr/>
@@ -5700,14 +5573,13 @@
                     <a:lstStyle/>
                     <a:p>
                       <a:r>
-                        <a:rPr kumimoji="1" lang="en-US" altLang="ja-JP" dirty="0" smtClean="0"/>
+                        <a:rPr kumimoji="1" lang="en-US" altLang="ja-JP" dirty="0"/>
                         <a:t>0.1k</a:t>
                       </a:r>
                       <a:r>
-                        <a:rPr kumimoji="1" lang="ja-JP" altLang="en-US" dirty="0" smtClean="0"/>
+                        <a:rPr kumimoji="1" lang="ja-JP" altLang="en-US" dirty="0"/>
                         <a:t>回</a:t>
                       </a:r>
-                      <a:endParaRPr kumimoji="1" lang="ja-JP" altLang="en-US" dirty="0"/>
                     </a:p>
                   </a:txBody>
                   <a:tcPr/>
@@ -5718,14 +5590,13 @@
                     <a:lstStyle/>
                     <a:p>
                       <a:r>
-                        <a:rPr kumimoji="1" lang="en-US" altLang="ja-JP" dirty="0" smtClean="0"/>
+                        <a:rPr kumimoji="1" lang="en-US" altLang="ja-JP" dirty="0"/>
                         <a:t>0.3k</a:t>
                       </a:r>
                       <a:r>
-                        <a:rPr kumimoji="1" lang="ja-JP" altLang="en-US" dirty="0" smtClean="0"/>
+                        <a:rPr kumimoji="1" lang="ja-JP" altLang="en-US" dirty="0"/>
                         <a:t>回</a:t>
                       </a:r>
-                      <a:endParaRPr kumimoji="1" lang="ja-JP" altLang="en-US" dirty="0"/>
                     </a:p>
                   </a:txBody>
                   <a:tcPr/>
@@ -5736,14 +5607,13 @@
                     <a:lstStyle/>
                     <a:p>
                       <a:r>
-                        <a:rPr kumimoji="1" lang="en-US" altLang="ja-JP" dirty="0" smtClean="0"/>
+                        <a:rPr kumimoji="1" lang="en-US" altLang="ja-JP" dirty="0"/>
                         <a:t>1k</a:t>
                       </a:r>
                       <a:r>
-                        <a:rPr kumimoji="1" lang="ja-JP" altLang="en-US" dirty="0" smtClean="0"/>
+                        <a:rPr kumimoji="1" lang="ja-JP" altLang="en-US" dirty="0"/>
                         <a:t>回</a:t>
                       </a:r>
-                      <a:endParaRPr kumimoji="1" lang="ja-JP" altLang="en-US" dirty="0"/>
                     </a:p>
                   </a:txBody>
                   <a:tcPr/>
@@ -5754,14 +5624,13 @@
                     <a:lstStyle/>
                     <a:p>
                       <a:r>
-                        <a:rPr kumimoji="1" lang="en-US" altLang="ja-JP" dirty="0" smtClean="0"/>
+                        <a:rPr kumimoji="1" lang="en-US" altLang="ja-JP" dirty="0"/>
                         <a:t>2k</a:t>
                       </a:r>
                       <a:r>
-                        <a:rPr kumimoji="1" lang="ja-JP" altLang="en-US" dirty="0" smtClean="0"/>
+                        <a:rPr kumimoji="1" lang="ja-JP" altLang="en-US" dirty="0"/>
                         <a:t>回</a:t>
                       </a:r>
-                      <a:endParaRPr kumimoji="1" lang="ja-JP" altLang="en-US" dirty="0"/>
                     </a:p>
                   </a:txBody>
                   <a:tcPr/>
@@ -5772,18 +5641,22 @@
                     <a:lstStyle/>
                     <a:p>
                       <a:r>
-                        <a:rPr kumimoji="1" lang="en-US" altLang="ja-JP" dirty="0" smtClean="0"/>
+                        <a:rPr kumimoji="1" lang="en-US" altLang="ja-JP" dirty="0"/>
                         <a:t>7k</a:t>
                       </a:r>
                       <a:r>
-                        <a:rPr kumimoji="1" lang="ja-JP" altLang="en-US" dirty="0" smtClean="0"/>
+                        <a:rPr kumimoji="1" lang="ja-JP" altLang="en-US" dirty="0"/>
                         <a:t>回</a:t>
                       </a:r>
-                      <a:endParaRPr kumimoji="1" lang="ja-JP" altLang="en-US" dirty="0"/>
                     </a:p>
                   </a:txBody>
                   <a:tcPr/>
                 </a:tc>
+                <a:extLst>
+                  <a:ext uri="{0D108BD9-81ED-4DB2-BD59-A6C34878D82A}">
+                    <a16:rowId xmlns:a16="http://schemas.microsoft.com/office/drawing/2014/main" val="10001"/>
+                  </a:ext>
+                </a:extLst>
               </a:tr>
               <a:tr h="370840">
                 <a:tc>
@@ -5792,14 +5665,13 @@
                     <a:lstStyle/>
                     <a:p>
                       <a:r>
-                        <a:rPr kumimoji="1" lang="en-US" altLang="ja-JP" dirty="0" smtClean="0"/>
+                        <a:rPr kumimoji="1" lang="en-US" altLang="ja-JP" dirty="0"/>
                         <a:t>PK</a:t>
                       </a:r>
                       <a:r>
-                        <a:rPr kumimoji="1" lang="ja-JP" altLang="en-US" dirty="0" smtClean="0"/>
+                        <a:rPr kumimoji="1" lang="ja-JP" altLang="en-US" dirty="0"/>
                         <a:t>なし</a:t>
                       </a:r>
-                      <a:endParaRPr kumimoji="1" lang="ja-JP" altLang="en-US" dirty="0"/>
                     </a:p>
                   </a:txBody>
                   <a:tcPr/>
@@ -5810,14 +5682,13 @@
                     <a:lstStyle/>
                     <a:p>
                       <a:r>
-                        <a:rPr kumimoji="1" lang="en-US" altLang="ja-JP" dirty="0" smtClean="0"/>
+                        <a:rPr kumimoji="1" lang="en-US" altLang="ja-JP" dirty="0"/>
                         <a:t>20k</a:t>
                       </a:r>
                       <a:r>
-                        <a:rPr kumimoji="1" lang="ja-JP" altLang="en-US" dirty="0" smtClean="0"/>
+                        <a:rPr kumimoji="1" lang="ja-JP" altLang="en-US" dirty="0"/>
                         <a:t>回</a:t>
                       </a:r>
-                      <a:endParaRPr kumimoji="1" lang="ja-JP" altLang="en-US" dirty="0"/>
                     </a:p>
                   </a:txBody>
                   <a:tcPr/>
@@ -5828,14 +5699,13 @@
                     <a:lstStyle/>
                     <a:p>
                       <a:r>
-                        <a:rPr kumimoji="1" lang="en-US" altLang="ja-JP" dirty="0" smtClean="0"/>
+                        <a:rPr kumimoji="1" lang="en-US" altLang="ja-JP" dirty="0"/>
                         <a:t>100k</a:t>
                       </a:r>
                       <a:r>
-                        <a:rPr kumimoji="1" lang="ja-JP" altLang="en-US" dirty="0" smtClean="0"/>
+                        <a:rPr kumimoji="1" lang="ja-JP" altLang="en-US" dirty="0"/>
                         <a:t>回</a:t>
                       </a:r>
-                      <a:endParaRPr kumimoji="1" lang="ja-JP" altLang="en-US" dirty="0"/>
                     </a:p>
                   </a:txBody>
                   <a:tcPr/>
@@ -5846,14 +5716,13 @@
                     <a:lstStyle/>
                     <a:p>
                       <a:r>
-                        <a:rPr kumimoji="1" lang="en-US" altLang="ja-JP" dirty="0" smtClean="0"/>
+                        <a:rPr kumimoji="1" lang="en-US" altLang="ja-JP" dirty="0"/>
                         <a:t>1000k</a:t>
                       </a:r>
                       <a:r>
-                        <a:rPr kumimoji="1" lang="ja-JP" altLang="en-US" dirty="0" smtClean="0"/>
+                        <a:rPr kumimoji="1" lang="ja-JP" altLang="en-US" dirty="0"/>
                         <a:t>回</a:t>
                       </a:r>
-                      <a:endParaRPr kumimoji="1" lang="ja-JP" altLang="en-US" dirty="0"/>
                     </a:p>
                   </a:txBody>
                   <a:tcPr/>
@@ -5864,14 +5733,13 @@
                     <a:lstStyle/>
                     <a:p>
                       <a:r>
-                        <a:rPr kumimoji="1" lang="en-US" altLang="ja-JP" dirty="0" smtClean="0"/>
+                        <a:rPr kumimoji="1" lang="en-US" altLang="ja-JP" dirty="0"/>
                         <a:t>5000k</a:t>
                       </a:r>
                       <a:r>
-                        <a:rPr kumimoji="1" lang="ja-JP" altLang="en-US" dirty="0" smtClean="0"/>
+                        <a:rPr kumimoji="1" lang="ja-JP" altLang="en-US" dirty="0"/>
                         <a:t>回</a:t>
                       </a:r>
-                      <a:endParaRPr kumimoji="1" lang="ja-JP" altLang="en-US" dirty="0"/>
                     </a:p>
                   </a:txBody>
                   <a:tcPr/>
@@ -5882,18 +5750,22 @@
                     <a:lstStyle/>
                     <a:p>
                       <a:r>
-                        <a:rPr kumimoji="1" lang="en-US" altLang="ja-JP" dirty="0" smtClean="0"/>
+                        <a:rPr kumimoji="1" lang="en-US" altLang="ja-JP" dirty="0"/>
                         <a:t>50000k</a:t>
                       </a:r>
                       <a:r>
-                        <a:rPr kumimoji="1" lang="ja-JP" altLang="en-US" dirty="0" smtClean="0"/>
+                        <a:rPr kumimoji="1" lang="ja-JP" altLang="en-US" dirty="0"/>
                         <a:t>回</a:t>
                       </a:r>
-                      <a:endParaRPr kumimoji="1" lang="ja-JP" altLang="en-US" dirty="0"/>
                     </a:p>
                   </a:txBody>
                   <a:tcPr/>
                 </a:tc>
+                <a:extLst>
+                  <a:ext uri="{0D108BD9-81ED-4DB2-BD59-A6C34878D82A}">
+                    <a16:rowId xmlns:a16="http://schemas.microsoft.com/office/drawing/2014/main" val="10002"/>
+                  </a:ext>
+                </a:extLst>
               </a:tr>
             </a:tbl>
           </a:graphicData>
@@ -6070,7 +5942,7 @@
               <a:buNone/>
             </a:pPr>
             <a:r>
-              <a:rPr lang="ja-JP" altLang="en-US" sz="1600" dirty="0" smtClean="0">
+              <a:rPr lang="ja-JP" altLang="en-US" sz="1600" dirty="0">
                 <a:solidFill>
                   <a:srgbClr val="002060"/>
                 </a:solidFill>
@@ -6078,20 +5950,9 @@
                 <a:ea typeface="Meiryo UI" pitchFamily="50" charset="-128"/>
                 <a:cs typeface="Meiryo UI" pitchFamily="50" charset="-128"/>
               </a:rPr>
-              <a:t>１件特定の平均検索</a:t>
-            </a:r>
-            <a:r>
-              <a:rPr lang="ja-JP" altLang="en-US" sz="1600" dirty="0">
-                <a:solidFill>
-                  <a:srgbClr val="002060"/>
-                </a:solidFill>
-                <a:latin typeface="Meiryo UI" pitchFamily="50" charset="-128"/>
-                <a:ea typeface="Meiryo UI" pitchFamily="50" charset="-128"/>
-                <a:cs typeface="Meiryo UI" pitchFamily="50" charset="-128"/>
-              </a:rPr>
-              <a:t>時間</a:t>
-            </a:r>
-            <a:endParaRPr lang="en-US" altLang="ja-JP" sz="1600" dirty="0" smtClean="0">
+              <a:t>１件特定の平均検索時間</a:t>
+            </a:r>
+            <a:endParaRPr lang="en-US" altLang="ja-JP" sz="1600" dirty="0">
               <a:solidFill>
                 <a:srgbClr val="002060"/>
               </a:solidFill>
@@ -6127,12 +5988,48 @@
                 <a:tableStyleId>{5C22544A-7EE6-4342-B048-85BDC9FD1C3A}</a:tableStyleId>
               </a:tblPr>
               <a:tblGrid>
-                <a:gridCol w="1709511"/>
-                <a:gridCol w="1407885"/>
-                <a:gridCol w="1364343"/>
-                <a:gridCol w="1378857"/>
-                <a:gridCol w="1349829"/>
-                <a:gridCol w="1368957"/>
+                <a:gridCol w="1709511">
+                  <a:extLst>
+                    <a:ext uri="{9D8B030D-6E8A-4147-A177-3AD203B41FA5}">
+                      <a16:colId xmlns:a16="http://schemas.microsoft.com/office/drawing/2014/main" val="20000"/>
+                    </a:ext>
+                  </a:extLst>
+                </a:gridCol>
+                <a:gridCol w="1407885">
+                  <a:extLst>
+                    <a:ext uri="{9D8B030D-6E8A-4147-A177-3AD203B41FA5}">
+                      <a16:colId xmlns:a16="http://schemas.microsoft.com/office/drawing/2014/main" val="20001"/>
+                    </a:ext>
+                  </a:extLst>
+                </a:gridCol>
+                <a:gridCol w="1364343">
+                  <a:extLst>
+                    <a:ext uri="{9D8B030D-6E8A-4147-A177-3AD203B41FA5}">
+                      <a16:colId xmlns:a16="http://schemas.microsoft.com/office/drawing/2014/main" val="20002"/>
+                    </a:ext>
+                  </a:extLst>
+                </a:gridCol>
+                <a:gridCol w="1378857">
+                  <a:extLst>
+                    <a:ext uri="{9D8B030D-6E8A-4147-A177-3AD203B41FA5}">
+                      <a16:colId xmlns:a16="http://schemas.microsoft.com/office/drawing/2014/main" val="20003"/>
+                    </a:ext>
+                  </a:extLst>
+                </a:gridCol>
+                <a:gridCol w="1349829">
+                  <a:extLst>
+                    <a:ext uri="{9D8B030D-6E8A-4147-A177-3AD203B41FA5}">
+                      <a16:colId xmlns:a16="http://schemas.microsoft.com/office/drawing/2014/main" val="20004"/>
+                    </a:ext>
+                  </a:extLst>
+                </a:gridCol>
+                <a:gridCol w="1368957">
+                  <a:extLst>
+                    <a:ext uri="{9D8B030D-6E8A-4147-A177-3AD203B41FA5}">
+                      <a16:colId xmlns:a16="http://schemas.microsoft.com/office/drawing/2014/main" val="20005"/>
+                    </a:ext>
+                  </a:extLst>
+                </a:gridCol>
               </a:tblGrid>
               <a:tr h="370840">
                 <a:tc>
@@ -6141,10 +6038,9 @@
                     <a:lstStyle/>
                     <a:p>
                       <a:r>
-                        <a:rPr kumimoji="1" lang="ja-JP" altLang="en-US" dirty="0" smtClean="0"/>
+                        <a:rPr kumimoji="1" lang="ja-JP" altLang="en-US" dirty="0"/>
                         <a:t>ケース</a:t>
                       </a:r>
-                      <a:endParaRPr kumimoji="1" lang="ja-JP" altLang="en-US" dirty="0"/>
                     </a:p>
                   </a:txBody>
                   <a:tcPr/>
@@ -6155,14 +6051,13 @@
                     <a:lstStyle/>
                     <a:p>
                       <a:r>
-                        <a:rPr kumimoji="1" lang="en-US" altLang="ja-JP" dirty="0" smtClean="0"/>
+                        <a:rPr kumimoji="1" lang="en-US" altLang="ja-JP" dirty="0"/>
                         <a:t>2</a:t>
                       </a:r>
                       <a:r>
-                        <a:rPr kumimoji="1" lang="ja-JP" altLang="en-US" dirty="0" smtClean="0"/>
+                        <a:rPr kumimoji="1" lang="ja-JP" altLang="en-US" dirty="0"/>
                         <a:t>万件</a:t>
                       </a:r>
-                      <a:endParaRPr kumimoji="1" lang="ja-JP" altLang="en-US" dirty="0"/>
                     </a:p>
                   </a:txBody>
                   <a:tcPr/>
@@ -6173,14 +6068,13 @@
                     <a:lstStyle/>
                     <a:p>
                       <a:r>
-                        <a:rPr kumimoji="1" lang="en-US" altLang="ja-JP" dirty="0" smtClean="0"/>
+                        <a:rPr kumimoji="1" lang="en-US" altLang="ja-JP" dirty="0"/>
                         <a:t>10</a:t>
                       </a:r>
                       <a:r>
-                        <a:rPr kumimoji="1" lang="ja-JP" altLang="en-US" dirty="0" smtClean="0"/>
+                        <a:rPr kumimoji="1" lang="ja-JP" altLang="en-US" dirty="0"/>
                         <a:t>万件</a:t>
                       </a:r>
-                      <a:endParaRPr kumimoji="1" lang="ja-JP" altLang="en-US" dirty="0"/>
                     </a:p>
                   </a:txBody>
                   <a:tcPr/>
@@ -6191,14 +6085,13 @@
                     <a:lstStyle/>
                     <a:p>
                       <a:r>
-                        <a:rPr kumimoji="1" lang="en-US" altLang="ja-JP" dirty="0" smtClean="0"/>
+                        <a:rPr kumimoji="1" lang="en-US" altLang="ja-JP" dirty="0"/>
                         <a:t>100</a:t>
                       </a:r>
                       <a:r>
-                        <a:rPr kumimoji="1" lang="ja-JP" altLang="en-US" dirty="0" smtClean="0"/>
+                        <a:rPr kumimoji="1" lang="ja-JP" altLang="en-US" dirty="0"/>
                         <a:t>万件</a:t>
                       </a:r>
-                      <a:endParaRPr kumimoji="1" lang="ja-JP" altLang="en-US" dirty="0"/>
                     </a:p>
                   </a:txBody>
                   <a:tcPr/>
@@ -6209,14 +6102,13 @@
                     <a:lstStyle/>
                     <a:p>
                       <a:r>
-                        <a:rPr kumimoji="1" lang="en-US" altLang="ja-JP" dirty="0" smtClean="0"/>
+                        <a:rPr kumimoji="1" lang="en-US" altLang="ja-JP" dirty="0"/>
                         <a:t>500</a:t>
                       </a:r>
                       <a:r>
-                        <a:rPr kumimoji="1" lang="ja-JP" altLang="en-US" dirty="0" smtClean="0"/>
+                        <a:rPr kumimoji="1" lang="ja-JP" altLang="en-US" dirty="0"/>
                         <a:t>万件</a:t>
                       </a:r>
-                      <a:endParaRPr kumimoji="1" lang="ja-JP" altLang="en-US" dirty="0"/>
                     </a:p>
                   </a:txBody>
                   <a:tcPr/>
@@ -6227,18 +6119,22 @@
                     <a:lstStyle/>
                     <a:p>
                       <a:r>
-                        <a:rPr kumimoji="1" lang="en-US" altLang="ja-JP" dirty="0" smtClean="0"/>
+                        <a:rPr kumimoji="1" lang="en-US" altLang="ja-JP" dirty="0"/>
                         <a:t>5000</a:t>
                       </a:r>
                       <a:r>
-                        <a:rPr kumimoji="1" lang="ja-JP" altLang="en-US" dirty="0" smtClean="0"/>
+                        <a:rPr kumimoji="1" lang="ja-JP" altLang="en-US" dirty="0"/>
                         <a:t>万件</a:t>
                       </a:r>
-                      <a:endParaRPr kumimoji="1" lang="ja-JP" altLang="en-US" dirty="0"/>
                     </a:p>
                   </a:txBody>
                   <a:tcPr/>
                 </a:tc>
+                <a:extLst>
+                  <a:ext uri="{0D108BD9-81ED-4DB2-BD59-A6C34878D82A}">
+                    <a16:rowId xmlns:a16="http://schemas.microsoft.com/office/drawing/2014/main" val="10000"/>
+                  </a:ext>
+                </a:extLst>
               </a:tr>
               <a:tr h="370840">
                 <a:tc>
@@ -6247,14 +6143,13 @@
                     <a:lstStyle/>
                     <a:p>
                       <a:r>
-                        <a:rPr kumimoji="1" lang="en-US" altLang="ja-JP" dirty="0" smtClean="0"/>
+                        <a:rPr kumimoji="1" lang="en-US" altLang="ja-JP" dirty="0"/>
                         <a:t>PK</a:t>
                       </a:r>
                       <a:r>
-                        <a:rPr kumimoji="1" lang="ja-JP" altLang="en-US" dirty="0" smtClean="0"/>
+                        <a:rPr kumimoji="1" lang="ja-JP" altLang="en-US" dirty="0"/>
                         <a:t>あり</a:t>
                       </a:r>
-                      <a:endParaRPr kumimoji="1" lang="ja-JP" altLang="en-US" dirty="0"/>
                     </a:p>
                   </a:txBody>
                   <a:tcPr/>
@@ -6265,7 +6160,7 @@
                     <a:lstStyle/>
                     <a:p>
                       <a:r>
-                        <a:rPr kumimoji="1" lang="en-US" altLang="ja-JP" dirty="0" smtClean="0"/>
+                        <a:rPr kumimoji="1" lang="en-US" altLang="ja-JP" dirty="0"/>
                         <a:t>1ms</a:t>
                       </a:r>
                       <a:endParaRPr kumimoji="1" lang="ja-JP" altLang="en-US" dirty="0"/>
@@ -6279,7 +6174,7 @@
                     <a:lstStyle/>
                     <a:p>
                       <a:r>
-                        <a:rPr kumimoji="1" lang="en-US" altLang="ja-JP" dirty="0" smtClean="0"/>
+                        <a:rPr kumimoji="1" lang="en-US" altLang="ja-JP" dirty="0"/>
                         <a:t>3ms</a:t>
                       </a:r>
                       <a:endParaRPr kumimoji="1" lang="ja-JP" altLang="en-US" dirty="0"/>
@@ -6293,7 +6188,7 @@
                     <a:lstStyle/>
                     <a:p>
                       <a:r>
-                        <a:rPr kumimoji="1" lang="en-US" altLang="ja-JP" dirty="0" smtClean="0"/>
+                        <a:rPr kumimoji="1" lang="en-US" altLang="ja-JP" dirty="0"/>
                         <a:t>10ms</a:t>
                       </a:r>
                       <a:endParaRPr kumimoji="1" lang="ja-JP" altLang="en-US" dirty="0"/>
@@ -6307,7 +6202,7 @@
                     <a:lstStyle/>
                     <a:p>
                       <a:r>
-                        <a:rPr kumimoji="1" lang="en-US" altLang="ja-JP" dirty="0" smtClean="0"/>
+                        <a:rPr kumimoji="1" lang="en-US" altLang="ja-JP" dirty="0"/>
                         <a:t>20ms</a:t>
                       </a:r>
                       <a:endParaRPr kumimoji="1" lang="ja-JP" altLang="en-US" dirty="0"/>
@@ -6321,7 +6216,7 @@
                     <a:lstStyle/>
                     <a:p>
                       <a:r>
-                        <a:rPr kumimoji="1" lang="en-US" altLang="ja-JP" dirty="0" smtClean="0"/>
+                        <a:rPr kumimoji="1" lang="en-US" altLang="ja-JP" dirty="0"/>
                         <a:t>70ms</a:t>
                       </a:r>
                       <a:endParaRPr kumimoji="1" lang="ja-JP" altLang="en-US" dirty="0"/>
@@ -6329,6 +6224,11 @@
                   </a:txBody>
                   <a:tcPr/>
                 </a:tc>
+                <a:extLst>
+                  <a:ext uri="{0D108BD9-81ED-4DB2-BD59-A6C34878D82A}">
+                    <a16:rowId xmlns:a16="http://schemas.microsoft.com/office/drawing/2014/main" val="10001"/>
+                  </a:ext>
+                </a:extLst>
               </a:tr>
               <a:tr h="370840">
                 <a:tc>
@@ -6337,14 +6237,13 @@
                     <a:lstStyle/>
                     <a:p>
                       <a:r>
-                        <a:rPr kumimoji="1" lang="en-US" altLang="ja-JP" dirty="0" smtClean="0"/>
+                        <a:rPr kumimoji="1" lang="en-US" altLang="ja-JP" dirty="0"/>
                         <a:t>PK</a:t>
                       </a:r>
                       <a:r>
-                        <a:rPr kumimoji="1" lang="ja-JP" altLang="en-US" dirty="0" smtClean="0"/>
+                        <a:rPr kumimoji="1" lang="ja-JP" altLang="en-US" dirty="0"/>
                         <a:t>なし</a:t>
                       </a:r>
-                      <a:endParaRPr kumimoji="1" lang="ja-JP" altLang="en-US" dirty="0"/>
                     </a:p>
                   </a:txBody>
                   <a:tcPr/>
@@ -6355,7 +6254,7 @@
                     <a:lstStyle/>
                     <a:p>
                       <a:r>
-                        <a:rPr kumimoji="1" lang="en-US" altLang="ja-JP" dirty="0" smtClean="0"/>
+                        <a:rPr kumimoji="1" lang="en-US" altLang="ja-JP" dirty="0"/>
                         <a:t>200ms</a:t>
                       </a:r>
                       <a:endParaRPr kumimoji="1" lang="ja-JP" altLang="en-US" dirty="0"/>
@@ -6369,7 +6268,7 @@
                     <a:lstStyle/>
                     <a:p>
                       <a:r>
-                        <a:rPr kumimoji="1" lang="en-US" altLang="ja-JP" dirty="0" smtClean="0"/>
+                        <a:rPr kumimoji="1" lang="en-US" altLang="ja-JP" dirty="0"/>
                         <a:t>1s</a:t>
                       </a:r>
                       <a:endParaRPr kumimoji="1" lang="ja-JP" altLang="en-US" dirty="0"/>
@@ -6383,7 +6282,7 @@
                     <a:lstStyle/>
                     <a:p>
                       <a:r>
-                        <a:rPr kumimoji="1" lang="en-US" altLang="ja-JP" dirty="0" smtClean="0"/>
+                        <a:rPr kumimoji="1" lang="en-US" altLang="ja-JP" dirty="0"/>
                         <a:t>10s</a:t>
                       </a:r>
                       <a:endParaRPr kumimoji="1" lang="ja-JP" altLang="en-US" dirty="0"/>
@@ -6397,7 +6296,7 @@
                     <a:lstStyle/>
                     <a:p>
                       <a:r>
-                        <a:rPr kumimoji="1" lang="en-US" altLang="ja-JP" dirty="0" smtClean="0"/>
+                        <a:rPr kumimoji="1" lang="en-US" altLang="ja-JP" dirty="0"/>
                         <a:t>50s</a:t>
                       </a:r>
                       <a:endParaRPr kumimoji="1" lang="ja-JP" altLang="en-US" dirty="0"/>
@@ -6411,7 +6310,7 @@
                     <a:lstStyle/>
                     <a:p>
                       <a:r>
-                        <a:rPr kumimoji="1" lang="en-US" altLang="ja-JP" dirty="0" smtClean="0"/>
+                        <a:rPr kumimoji="1" lang="en-US" altLang="ja-JP" dirty="0"/>
                         <a:t>500s</a:t>
                       </a:r>
                       <a:endParaRPr kumimoji="1" lang="ja-JP" altLang="en-US" dirty="0"/>
@@ -6419,6 +6318,11 @@
                   </a:txBody>
                   <a:tcPr/>
                 </a:tc>
+                <a:extLst>
+                  <a:ext uri="{0D108BD9-81ED-4DB2-BD59-A6C34878D82A}">
+                    <a16:rowId xmlns:a16="http://schemas.microsoft.com/office/drawing/2014/main" val="10002"/>
+                  </a:ext>
+                </a:extLst>
               </a:tr>
             </a:tbl>
           </a:graphicData>
@@ -6480,7 +6384,7 @@
               </a:spcBef>
             </a:pPr>
             <a:r>
-              <a:rPr lang="ja-JP" altLang="en-US" sz="2800" dirty="0" smtClean="0">
+              <a:rPr lang="ja-JP" altLang="en-US" sz="2800" dirty="0">
                 <a:solidFill>
                   <a:schemeClr val="tx2"/>
                 </a:solidFill>
@@ -6490,14 +6394,6 @@
               </a:rPr>
               <a:t>２．大量データ検索の性能参考値</a:t>
             </a:r>
-            <a:endParaRPr lang="ja-JP" altLang="en-US" sz="2800" dirty="0">
-              <a:solidFill>
-                <a:schemeClr val="tx2"/>
-              </a:solidFill>
-              <a:latin typeface="Meiryo UI" pitchFamily="50" charset="-128"/>
-              <a:ea typeface="Meiryo UI" pitchFamily="50" charset="-128"/>
-              <a:cs typeface="Meiryo UI" pitchFamily="50" charset="-128"/>
-            </a:endParaRPr>
           </a:p>
         </p:txBody>
       </p:sp>
@@ -6921,7 +6817,7 @@
               <a:buNone/>
             </a:pPr>
             <a:r>
-              <a:rPr lang="ja-JP" altLang="en-US" sz="1600" dirty="0" smtClean="0">
+              <a:rPr lang="ja-JP" altLang="en-US" sz="1600" dirty="0">
                 <a:solidFill>
                   <a:srgbClr val="002060"/>
                 </a:solidFill>
@@ -6931,7 +6827,7 @@
               </a:rPr>
               <a:t>算式</a:t>
             </a:r>
-            <a:endParaRPr lang="en-US" altLang="ja-JP" sz="1600" dirty="0" smtClean="0">
+            <a:endParaRPr lang="en-US" altLang="ja-JP" sz="1600" dirty="0">
               <a:solidFill>
                 <a:srgbClr val="002060"/>
               </a:solidFill>
@@ -7113,7 +7009,7 @@
               <a:buNone/>
             </a:pPr>
             <a:r>
-              <a:rPr lang="ja-JP" altLang="en-US" sz="2000" dirty="0" smtClean="0">
+              <a:rPr lang="ja-JP" altLang="en-US" sz="2000" dirty="0">
                 <a:solidFill>
                   <a:srgbClr val="002060"/>
                 </a:solidFill>
@@ -7135,7 +7031,7 @@
               <a:t>k</a:t>
             </a:r>
             <a:r>
-              <a:rPr lang="ja-JP" altLang="en-US" sz="2000" i="1" dirty="0" smtClean="0">
+              <a:rPr lang="ja-JP" altLang="en-US" sz="2000" i="1" dirty="0">
                 <a:solidFill>
                   <a:srgbClr val="002060"/>
                 </a:solidFill>
@@ -7146,7 +7042,7 @@
               <a:t> </a:t>
             </a:r>
             <a:r>
-              <a:rPr lang="ja-JP" altLang="en-US" sz="2000" dirty="0" smtClean="0">
+              <a:rPr lang="ja-JP" altLang="en-US" sz="2000" dirty="0">
                 <a:solidFill>
                   <a:srgbClr val="002060"/>
                 </a:solidFill>
@@ -7154,31 +7050,9 @@
                 <a:ea typeface="Meiryo UI" pitchFamily="50" charset="-128"/>
                 <a:cs typeface="Meiryo UI" pitchFamily="50" charset="-128"/>
               </a:rPr>
-              <a:t>＊ </a:t>
-            </a:r>
-            <a:r>
-              <a:rPr lang="ja-JP" altLang="en-US" sz="2000" dirty="0" smtClean="0">
-                <a:solidFill>
-                  <a:srgbClr val="002060"/>
-                </a:solidFill>
-                <a:latin typeface="Meiryo UI" pitchFamily="50" charset="-128"/>
-                <a:ea typeface="Meiryo UI" pitchFamily="50" charset="-128"/>
-                <a:cs typeface="Meiryo UI" pitchFamily="50" charset="-128"/>
-              </a:rPr>
-              <a:t>検索</a:t>
-            </a:r>
-            <a:r>
-              <a:rPr lang="ja-JP" altLang="en-US" sz="2000" dirty="0" smtClean="0">
-                <a:solidFill>
-                  <a:srgbClr val="002060"/>
-                </a:solidFill>
-                <a:latin typeface="Meiryo UI" pitchFamily="50" charset="-128"/>
-                <a:ea typeface="Meiryo UI" pitchFamily="50" charset="-128"/>
-                <a:cs typeface="Meiryo UI" pitchFamily="50" charset="-128"/>
-              </a:rPr>
-              <a:t>回数</a:t>
-            </a:r>
-            <a:endParaRPr lang="en-US" altLang="ja-JP" sz="2000" dirty="0" smtClean="0">
+              <a:t>＊ 検索回数</a:t>
+            </a:r>
+            <a:endParaRPr lang="en-US" altLang="ja-JP" sz="2000" dirty="0">
               <a:solidFill>
                 <a:srgbClr val="002060"/>
               </a:solidFill>
@@ -7374,7 +7248,7 @@
                 <a:buNone/>
               </a:pPr>
               <a:r>
-                <a:rPr lang="ja-JP" altLang="en-US" sz="2000" dirty="0" smtClean="0">
+                <a:rPr lang="ja-JP" altLang="en-US" sz="2000" dirty="0">
                   <a:solidFill>
                     <a:srgbClr val="002060"/>
                   </a:solidFill>
@@ -7382,21 +7256,10 @@
                   <a:ea typeface="Meiryo UI" pitchFamily="50" charset="-128"/>
                   <a:cs typeface="Meiryo UI" pitchFamily="50" charset="-128"/>
                 </a:rPr>
-                <a:t>検索</a:t>
+                <a:t>検索回数（</a:t>
               </a:r>
               <a:r>
-                <a:rPr lang="ja-JP" altLang="en-US" sz="2000" dirty="0" smtClean="0">
-                  <a:solidFill>
-                    <a:srgbClr val="002060"/>
-                  </a:solidFill>
-                  <a:latin typeface="Meiryo UI" pitchFamily="50" charset="-128"/>
-                  <a:ea typeface="Meiryo UI" pitchFamily="50" charset="-128"/>
-                  <a:cs typeface="Meiryo UI" pitchFamily="50" charset="-128"/>
-                </a:rPr>
-                <a:t>回数（</a:t>
-              </a:r>
-              <a:r>
-                <a:rPr lang="en-US" altLang="ja-JP" sz="2000" dirty="0" smtClean="0">
+                <a:rPr lang="en-US" altLang="ja-JP" sz="2000" dirty="0">
                   <a:solidFill>
                     <a:srgbClr val="002060"/>
                   </a:solidFill>
@@ -7407,7 +7270,7 @@
                 <a:t>PK</a:t>
               </a:r>
               <a:r>
-                <a:rPr lang="ja-JP" altLang="en-US" sz="2000" dirty="0" smtClean="0">
+                <a:rPr lang="ja-JP" altLang="en-US" sz="2000" dirty="0">
                   <a:solidFill>
                     <a:srgbClr val="002060"/>
                   </a:solidFill>
@@ -7415,21 +7278,10 @@
                   <a:ea typeface="Meiryo UI" pitchFamily="50" charset="-128"/>
                   <a:cs typeface="Meiryo UI" pitchFamily="50" charset="-128"/>
                 </a:rPr>
-                <a:t>あり）</a:t>
+                <a:t>あり）＝ </a:t>
               </a:r>
               <a:r>
-                <a:rPr lang="ja-JP" altLang="en-US" sz="2000" dirty="0" smtClean="0">
-                  <a:solidFill>
-                    <a:srgbClr val="002060"/>
-                  </a:solidFill>
-                  <a:latin typeface="Meiryo UI" pitchFamily="50" charset="-128"/>
-                  <a:ea typeface="Meiryo UI" pitchFamily="50" charset="-128"/>
-                  <a:cs typeface="Meiryo UI" pitchFamily="50" charset="-128"/>
-                </a:rPr>
-                <a:t>＝ </a:t>
-              </a:r>
-              <a:r>
-                <a:rPr lang="en-US" altLang="ja-JP" sz="2000" dirty="0" smtClean="0">
+                <a:rPr lang="en-US" altLang="ja-JP" sz="2000" dirty="0">
                   <a:solidFill>
                     <a:srgbClr val="002060"/>
                   </a:solidFill>
@@ -7440,7 +7292,7 @@
                 <a:t>log </a:t>
               </a:r>
               <a:r>
-                <a:rPr lang="ja-JP" altLang="en-US" sz="2000" dirty="0" smtClean="0">
+                <a:rPr lang="ja-JP" altLang="en-US" sz="2000" dirty="0">
                   <a:solidFill>
                     <a:srgbClr val="002060"/>
                   </a:solidFill>
@@ -7450,7 +7302,7 @@
                 </a:rPr>
                 <a:t>　データ件数</a:t>
               </a:r>
-              <a:endParaRPr lang="en-US" altLang="ja-JP" sz="2000" dirty="0" smtClean="0">
+              <a:endParaRPr lang="en-US" altLang="ja-JP" sz="2000" dirty="0">
                 <a:solidFill>
                   <a:srgbClr val="002060"/>
                 </a:solidFill>
@@ -7630,7 +7482,7 @@
                 <a:buNone/>
               </a:pPr>
               <a:r>
-                <a:rPr lang="en-US" altLang="ja-JP" sz="1600" dirty="0" smtClean="0">
+                <a:rPr lang="en-US" altLang="ja-JP" sz="1600" dirty="0">
                   <a:solidFill>
                     <a:srgbClr val="002060"/>
                   </a:solidFill>
@@ -7815,7 +7667,7 @@
               <a:buNone/>
             </a:pPr>
             <a:r>
-              <a:rPr lang="ja-JP" altLang="en-US" sz="2000" dirty="0" smtClean="0">
+              <a:rPr lang="ja-JP" altLang="en-US" sz="2000" dirty="0">
                 <a:solidFill>
                   <a:srgbClr val="002060"/>
                 </a:solidFill>
@@ -7823,10 +7675,10 @@
                 <a:ea typeface="Meiryo UI" pitchFamily="50" charset="-128"/>
                 <a:cs typeface="Meiryo UI" pitchFamily="50" charset="-128"/>
               </a:rPr>
-              <a:t>検索</a:t>
-            </a:r>
-            <a:r>
-              <a:rPr lang="ja-JP" altLang="en-US" sz="2000" dirty="0" smtClean="0">
+              <a:t>検索回数（</a:t>
+            </a:r>
+            <a:r>
+              <a:rPr lang="en-US" altLang="ja-JP" sz="2000" dirty="0">
                 <a:solidFill>
                   <a:srgbClr val="002060"/>
                 </a:solidFill>
@@ -7834,10 +7686,10 @@
                 <a:ea typeface="Meiryo UI" pitchFamily="50" charset="-128"/>
                 <a:cs typeface="Meiryo UI" pitchFamily="50" charset="-128"/>
               </a:rPr>
-              <a:t>回数（</a:t>
-            </a:r>
-            <a:r>
-              <a:rPr lang="en-US" altLang="ja-JP" sz="2000" dirty="0" smtClean="0">
+              <a:t>PK</a:t>
+            </a:r>
+            <a:r>
+              <a:rPr lang="ja-JP" altLang="en-US" sz="2000" dirty="0">
                 <a:solidFill>
                   <a:srgbClr val="002060"/>
                 </a:solidFill>
@@ -7845,31 +7697,9 @@
                 <a:ea typeface="Meiryo UI" pitchFamily="50" charset="-128"/>
                 <a:cs typeface="Meiryo UI" pitchFamily="50" charset="-128"/>
               </a:rPr>
-              <a:t>PK</a:t>
-            </a:r>
-            <a:r>
-              <a:rPr lang="ja-JP" altLang="en-US" sz="2000" dirty="0" smtClean="0">
-                <a:solidFill>
-                  <a:srgbClr val="002060"/>
-                </a:solidFill>
-                <a:latin typeface="Meiryo UI" pitchFamily="50" charset="-128"/>
-                <a:ea typeface="Meiryo UI" pitchFamily="50" charset="-128"/>
-                <a:cs typeface="Meiryo UI" pitchFamily="50" charset="-128"/>
-              </a:rPr>
-              <a:t>なし）</a:t>
-            </a:r>
-            <a:r>
-              <a:rPr lang="ja-JP" altLang="en-US" sz="2000" dirty="0" smtClean="0">
-                <a:solidFill>
-                  <a:srgbClr val="002060"/>
-                </a:solidFill>
-                <a:latin typeface="Meiryo UI" pitchFamily="50" charset="-128"/>
-                <a:ea typeface="Meiryo UI" pitchFamily="50" charset="-128"/>
-                <a:cs typeface="Meiryo UI" pitchFamily="50" charset="-128"/>
-              </a:rPr>
-              <a:t>＝ データ件数</a:t>
-            </a:r>
-            <a:endParaRPr lang="en-US" altLang="ja-JP" sz="2000" dirty="0" smtClean="0">
+              <a:t>なし）＝ データ件数</a:t>
+            </a:r>
+            <a:endParaRPr lang="en-US" altLang="ja-JP" sz="2000" dirty="0">
               <a:solidFill>
                 <a:srgbClr val="002060"/>
               </a:solidFill>
@@ -7881,6 +7711,9 @@
         </p:txBody>
       </p:sp>
     </p:spTree>
+    <p:custDataLst>
+      <p:tags r:id="rId1"/>
+    </p:custDataLst>
     <p:extLst>
       <p:ext uri="{BB962C8B-B14F-4D97-AF65-F5344CB8AC3E}">
         <p14:creationId xmlns:p14="http://schemas.microsoft.com/office/powerpoint/2010/main" val="2443728877"/>
@@ -7890,13 +7723,6 @@
   <p:clrMapOvr>
     <a:masterClrMapping/>
   </p:clrMapOvr>
-  <p:timing>
-    <p:tnLst>
-      <p:par>
-        <p:cTn id="1" dur="indefinite" restart="never" nodeType="tmRoot"/>
-      </p:par>
-    </p:tnLst>
-  </p:timing>
 </p:sld>
 </file>
 
@@ -7973,7 +7799,7 @@
               </a:spcBef>
             </a:pPr>
             <a:r>
-              <a:rPr lang="ja-JP" altLang="en-US" sz="2800" dirty="0" smtClean="0">
+              <a:rPr lang="ja-JP" altLang="en-US" sz="2800" dirty="0">
                 <a:solidFill>
                   <a:schemeClr val="tx2"/>
                 </a:solidFill>
@@ -7984,7 +7810,7 @@
               <a:t>３．大量</a:t>
             </a:r>
             <a:r>
-              <a:rPr lang="en-US" altLang="ja-JP" sz="2800" dirty="0" smtClean="0">
+              <a:rPr lang="en-US" altLang="ja-JP" sz="2800" dirty="0">
                 <a:solidFill>
                   <a:schemeClr val="tx2"/>
                 </a:solidFill>
@@ -7995,7 +7821,7 @@
               <a:t>SQL</a:t>
             </a:r>
             <a:r>
-              <a:rPr lang="ja-JP" altLang="en-US" sz="2800" dirty="0" smtClean="0">
+              <a:rPr lang="ja-JP" altLang="en-US" sz="2800" dirty="0">
                 <a:solidFill>
                   <a:schemeClr val="tx2"/>
                 </a:solidFill>
@@ -8003,18 +7829,7 @@
                 <a:ea typeface="Meiryo UI" pitchFamily="50" charset="-128"/>
                 <a:cs typeface="Meiryo UI" pitchFamily="50" charset="-128"/>
               </a:rPr>
-              <a:t>発行の</a:t>
-            </a:r>
-            <a:r>
-              <a:rPr lang="ja-JP" altLang="en-US" sz="2800" dirty="0">
-                <a:solidFill>
-                  <a:schemeClr val="tx2"/>
-                </a:solidFill>
-                <a:latin typeface="Meiryo UI" pitchFamily="50" charset="-128"/>
-                <a:ea typeface="Meiryo UI" pitchFamily="50" charset="-128"/>
-                <a:cs typeface="Meiryo UI" pitchFamily="50" charset="-128"/>
-              </a:rPr>
-              <a:t>場合</a:t>
+              <a:t>発行の場合</a:t>
             </a:r>
             <a:endParaRPr lang="ja-JP" altLang="en-US" sz="1600" dirty="0">
               <a:solidFill>
@@ -8463,7 +8278,7 @@
               <a:buNone/>
             </a:pPr>
             <a:r>
-              <a:rPr lang="ja-JP" altLang="en-US" sz="1600" dirty="0" smtClean="0">
+              <a:rPr lang="ja-JP" altLang="en-US" sz="1600" dirty="0">
                 <a:latin typeface="Meiryo UI" pitchFamily="50" charset="-128"/>
                 <a:ea typeface="Meiryo UI" pitchFamily="50" charset="-128"/>
                 <a:cs typeface="Meiryo UI" pitchFamily="50" charset="-128"/>
@@ -8471,7 +8286,7 @@
               <a:t>一回の処理に数多い</a:t>
             </a:r>
             <a:r>
-              <a:rPr lang="en-US" altLang="ja-JP" sz="1600" dirty="0" smtClean="0">
+              <a:rPr lang="en-US" altLang="ja-JP" sz="1600" dirty="0">
                 <a:latin typeface="Meiryo UI" pitchFamily="50" charset="-128"/>
                 <a:ea typeface="Meiryo UI" pitchFamily="50" charset="-128"/>
                 <a:cs typeface="Meiryo UI" pitchFamily="50" charset="-128"/>
@@ -8479,7 +8294,7 @@
               <a:t>SQL</a:t>
             </a:r>
             <a:r>
-              <a:rPr lang="ja-JP" altLang="en-US" sz="1600" dirty="0" smtClean="0">
+              <a:rPr lang="ja-JP" altLang="en-US" sz="1600" dirty="0">
                 <a:latin typeface="Meiryo UI" pitchFamily="50" charset="-128"/>
                 <a:ea typeface="Meiryo UI" pitchFamily="50" charset="-128"/>
                 <a:cs typeface="Meiryo UI" pitchFamily="50" charset="-128"/>
@@ -8487,7 +8302,7 @@
               <a:t>発行を行う場合、</a:t>
             </a:r>
             <a:r>
-              <a:rPr lang="en-US" altLang="ja-JP" sz="1600" dirty="0" smtClean="0">
+              <a:rPr lang="en-US" altLang="ja-JP" sz="1600" dirty="0">
                 <a:latin typeface="Meiryo UI" pitchFamily="50" charset="-128"/>
                 <a:ea typeface="Meiryo UI" pitchFamily="50" charset="-128"/>
                 <a:cs typeface="Meiryo UI" pitchFamily="50" charset="-128"/>
@@ -8495,14 +8310,14 @@
               <a:t>SQL</a:t>
             </a:r>
             <a:r>
-              <a:rPr lang="ja-JP" altLang="en-US" sz="1600" dirty="0" smtClean="0">
+              <a:rPr lang="ja-JP" altLang="en-US" sz="1600" dirty="0">
                 <a:latin typeface="Meiryo UI" pitchFamily="50" charset="-128"/>
                 <a:ea typeface="Meiryo UI" pitchFamily="50" charset="-128"/>
                 <a:cs typeface="Meiryo UI" pitchFamily="50" charset="-128"/>
               </a:rPr>
               <a:t>文送信と結果受取りの通信時間は無視できない。</a:t>
             </a:r>
-            <a:endParaRPr lang="en-US" altLang="ja-JP" sz="1600" dirty="0" smtClean="0">
+            <a:endParaRPr lang="en-US" altLang="ja-JP" sz="1600" dirty="0">
               <a:latin typeface="Meiryo UI" pitchFamily="50" charset="-128"/>
               <a:ea typeface="Meiryo UI" pitchFamily="50" charset="-128"/>
               <a:cs typeface="Meiryo UI" pitchFamily="50" charset="-128"/>
@@ -8519,7 +8334,7 @@
               <a:buFontTx/>
               <a:buNone/>
             </a:pPr>
-            <a:endParaRPr lang="en-US" altLang="ja-JP" sz="1600" dirty="0" smtClean="0">
+            <a:endParaRPr lang="en-US" altLang="ja-JP" sz="1600" dirty="0">
               <a:latin typeface="Meiryo UI" pitchFamily="50" charset="-128"/>
               <a:ea typeface="Meiryo UI" pitchFamily="50" charset="-128"/>
               <a:cs typeface="Meiryo UI" pitchFamily="50" charset="-128"/>
@@ -8537,230 +8352,222 @@
               <a:buNone/>
             </a:pPr>
             <a:r>
-              <a:rPr lang="ja-JP" altLang="en-US" sz="1600" dirty="0" smtClean="0">
-                <a:latin typeface="Meiryo UI" pitchFamily="50" charset="-128"/>
-                <a:ea typeface="Meiryo UI" pitchFamily="50" charset="-128"/>
-                <a:cs typeface="Meiryo UI" pitchFamily="50" charset="-128"/>
-              </a:rPr>
-              <a:t>開発</a:t>
-            </a:r>
-            <a:r>
-              <a:rPr lang="en-US" altLang="ja-JP" sz="1600" dirty="0" smtClean="0">
-                <a:latin typeface="Meiryo UI" pitchFamily="50" charset="-128"/>
-                <a:ea typeface="Meiryo UI" pitchFamily="50" charset="-128"/>
-                <a:cs typeface="Meiryo UI" pitchFamily="50" charset="-128"/>
-              </a:rPr>
-              <a:t>PC</a:t>
-            </a:r>
-            <a:r>
-              <a:rPr lang="ja-JP" altLang="en-US" sz="1600" dirty="0" smtClean="0">
-                <a:latin typeface="Meiryo UI" pitchFamily="50" charset="-128"/>
-                <a:ea typeface="Meiryo UI" pitchFamily="50" charset="-128"/>
-                <a:cs typeface="Meiryo UI" pitchFamily="50" charset="-128"/>
-              </a:rPr>
-              <a:t>で、</a:t>
-            </a:r>
-            <a:r>
-              <a:rPr lang="en-US" altLang="ja-JP" sz="1600" dirty="0" err="1" smtClean="0">
-                <a:latin typeface="Meiryo UI" pitchFamily="50" charset="-128"/>
-                <a:ea typeface="Meiryo UI" pitchFamily="50" charset="-128"/>
-                <a:cs typeface="Meiryo UI" pitchFamily="50" charset="-128"/>
-              </a:rPr>
-              <a:t>Efw</a:t>
-            </a:r>
-            <a:r>
-              <a:rPr lang="ja-JP" altLang="en-US" sz="1600" dirty="0" smtClean="0">
-                <a:latin typeface="Meiryo UI" pitchFamily="50" charset="-128"/>
-                <a:ea typeface="Meiryo UI" pitchFamily="50" charset="-128"/>
-                <a:cs typeface="Meiryo UI" pitchFamily="50" charset="-128"/>
-              </a:rPr>
-              <a:t>の</a:t>
-            </a:r>
-            <a:r>
-              <a:rPr lang="en-US" altLang="ja-JP" sz="1600" dirty="0" smtClean="0">
-                <a:latin typeface="Meiryo UI" pitchFamily="50" charset="-128"/>
-                <a:ea typeface="Meiryo UI" pitchFamily="50" charset="-128"/>
-                <a:cs typeface="Meiryo UI" pitchFamily="50" charset="-128"/>
-              </a:rPr>
-              <a:t>HelloWorld</a:t>
-            </a:r>
-            <a:r>
-              <a:rPr lang="ja-JP" altLang="en-US" sz="1600" dirty="0" smtClean="0">
-                <a:latin typeface="Meiryo UI" pitchFamily="50" charset="-128"/>
-                <a:ea typeface="Meiryo UI" pitchFamily="50" charset="-128"/>
-                <a:cs typeface="Meiryo UI" pitchFamily="50" charset="-128"/>
-              </a:rPr>
-              <a:t>サンプルに</a:t>
-            </a:r>
-            <a:r>
-              <a:rPr lang="en-US" altLang="ja-JP" sz="1600" dirty="0" smtClean="0">
-                <a:latin typeface="Meiryo UI" pitchFamily="50" charset="-128"/>
-                <a:ea typeface="Meiryo UI" pitchFamily="50" charset="-128"/>
-                <a:cs typeface="Meiryo UI" pitchFamily="50" charset="-128"/>
-              </a:rPr>
-              <a:t>PostgreSQL</a:t>
-            </a:r>
-            <a:r>
-              <a:rPr lang="ja-JP" altLang="en-US" sz="1600" dirty="0" smtClean="0">
-                <a:latin typeface="Meiryo UI" pitchFamily="50" charset="-128"/>
-                <a:ea typeface="Meiryo UI" pitchFamily="50" charset="-128"/>
-                <a:cs typeface="Meiryo UI" pitchFamily="50" charset="-128"/>
-              </a:rPr>
-              <a:t>の</a:t>
-            </a:r>
-            <a:r>
-              <a:rPr lang="en-US" altLang="ja-JP" sz="1600" dirty="0" smtClean="0">
-                <a:latin typeface="Meiryo UI" pitchFamily="50" charset="-128"/>
-                <a:ea typeface="Meiryo UI" pitchFamily="50" charset="-128"/>
-                <a:cs typeface="Meiryo UI" pitchFamily="50" charset="-128"/>
-              </a:rPr>
-              <a:t>DB</a:t>
-            </a:r>
-            <a:r>
-              <a:rPr lang="ja-JP" altLang="en-US" sz="1600" dirty="0" smtClean="0">
-                <a:latin typeface="Meiryo UI" pitchFamily="50" charset="-128"/>
-                <a:ea typeface="Meiryo UI" pitchFamily="50" charset="-128"/>
-                <a:cs typeface="Meiryo UI" pitchFamily="50" charset="-128"/>
-              </a:rPr>
-              <a:t>挿入処理は１回</a:t>
-            </a:r>
-            <a:r>
-              <a:rPr lang="en-US" altLang="ja-JP" sz="1600" dirty="0" smtClean="0">
-                <a:latin typeface="Meiryo UI" pitchFamily="50" charset="-128"/>
-                <a:ea typeface="Meiryo UI" pitchFamily="50" charset="-128"/>
-                <a:cs typeface="Meiryo UI" pitchFamily="50" charset="-128"/>
-              </a:rPr>
-              <a:t>15ms</a:t>
-            </a:r>
-            <a:r>
-              <a:rPr lang="ja-JP" altLang="en-US" sz="1600" dirty="0" smtClean="0">
-                <a:latin typeface="Meiryo UI" pitchFamily="50" charset="-128"/>
-                <a:ea typeface="Meiryo UI" pitchFamily="50" charset="-128"/>
-                <a:cs typeface="Meiryo UI" pitchFamily="50" charset="-128"/>
-              </a:rPr>
-              <a:t>ぐらい。つまり、　　１分間</a:t>
-            </a:r>
-            <a:r>
-              <a:rPr lang="en-US" altLang="ja-JP" sz="1600" dirty="0" smtClean="0">
-                <a:latin typeface="Meiryo UI" pitchFamily="50" charset="-128"/>
-                <a:ea typeface="Meiryo UI" pitchFamily="50" charset="-128"/>
-                <a:cs typeface="Meiryo UI" pitchFamily="50" charset="-128"/>
-              </a:rPr>
-              <a:t>4000</a:t>
-            </a:r>
-            <a:r>
-              <a:rPr lang="ja-JP" altLang="en-US" sz="1600" dirty="0" smtClean="0">
-                <a:latin typeface="Meiryo UI" pitchFamily="50" charset="-128"/>
-                <a:ea typeface="Meiryo UI" pitchFamily="50" charset="-128"/>
-                <a:cs typeface="Meiryo UI" pitchFamily="50" charset="-128"/>
-              </a:rPr>
-              <a:t>回の挿入</a:t>
-            </a:r>
-            <a:r>
-              <a:rPr lang="en-US" altLang="ja-JP" sz="1600" dirty="0" smtClean="0">
-                <a:latin typeface="Meiryo UI" pitchFamily="50" charset="-128"/>
-                <a:ea typeface="Meiryo UI" pitchFamily="50" charset="-128"/>
-                <a:cs typeface="Meiryo UI" pitchFamily="50" charset="-128"/>
-              </a:rPr>
-              <a:t>SQL</a:t>
-            </a:r>
-            <a:r>
-              <a:rPr lang="ja-JP" altLang="en-US" sz="1600" dirty="0" smtClean="0">
-                <a:latin typeface="Meiryo UI" pitchFamily="50" charset="-128"/>
-                <a:ea typeface="Meiryo UI" pitchFamily="50" charset="-128"/>
-                <a:cs typeface="Meiryo UI" pitchFamily="50" charset="-128"/>
-              </a:rPr>
-              <a:t>発行ができる。また、</a:t>
-            </a:r>
-            <a:r>
-              <a:rPr lang="en-US" altLang="ja-JP" sz="1600" dirty="0" smtClean="0">
-                <a:latin typeface="Meiryo UI" pitchFamily="50" charset="-128"/>
-                <a:ea typeface="Meiryo UI" pitchFamily="50" charset="-128"/>
-                <a:cs typeface="Meiryo UI" pitchFamily="50" charset="-128"/>
-              </a:rPr>
-              <a:t>java</a:t>
-            </a:r>
-            <a:r>
-              <a:rPr lang="ja-JP" altLang="en-US" sz="1600" dirty="0" smtClean="0">
-                <a:latin typeface="Meiryo UI" pitchFamily="50" charset="-128"/>
-                <a:ea typeface="Meiryo UI" pitchFamily="50" charset="-128"/>
-                <a:cs typeface="Meiryo UI" pitchFamily="50" charset="-128"/>
-              </a:rPr>
-              <a:t>プログラム</a:t>
-            </a:r>
-            <a:r>
               <a:rPr lang="ja-JP" altLang="en-US" sz="1600" dirty="0">
                 <a:latin typeface="Meiryo UI" pitchFamily="50" charset="-128"/>
                 <a:ea typeface="Meiryo UI" pitchFamily="50" charset="-128"/>
                 <a:cs typeface="Meiryo UI" pitchFamily="50" charset="-128"/>
               </a:rPr>
-              <a:t>で</a:t>
-            </a:r>
-            <a:r>
-              <a:rPr lang="en-US" altLang="ja-JP" sz="1600" dirty="0" err="1" smtClean="0">
+              <a:t>開発</a:t>
+            </a:r>
+            <a:r>
+              <a:rPr lang="en-US" altLang="ja-JP" sz="1600" dirty="0">
                 <a:latin typeface="Meiryo UI" pitchFamily="50" charset="-128"/>
                 <a:ea typeface="Meiryo UI" pitchFamily="50" charset="-128"/>
                 <a:cs typeface="Meiryo UI" pitchFamily="50" charset="-128"/>
               </a:rPr>
-              <a:t>mySQL</a:t>
-            </a:r>
-            <a:r>
-              <a:rPr lang="ja-JP" altLang="en-US" sz="1600" dirty="0" smtClean="0">
+              <a:t>PC</a:t>
+            </a:r>
+            <a:r>
+              <a:rPr lang="ja-JP" altLang="en-US" sz="1600" dirty="0">
                 <a:latin typeface="Meiryo UI" pitchFamily="50" charset="-128"/>
                 <a:ea typeface="Meiryo UI" pitchFamily="50" charset="-128"/>
                 <a:cs typeface="Meiryo UI" pitchFamily="50" charset="-128"/>
               </a:rPr>
-              <a:t>の</a:t>
-            </a:r>
-            <a:r>
-              <a:rPr lang="en-US" altLang="ja-JP" sz="1600" dirty="0" smtClean="0">
+              <a:t>で、</a:t>
+            </a:r>
+            <a:r>
+              <a:rPr lang="en-US" altLang="ja-JP" sz="1600" dirty="0" err="1">
                 <a:latin typeface="Meiryo UI" pitchFamily="50" charset="-128"/>
                 <a:ea typeface="Meiryo UI" pitchFamily="50" charset="-128"/>
                 <a:cs typeface="Meiryo UI" pitchFamily="50" charset="-128"/>
               </a:rPr>
-              <a:t>DB</a:t>
-            </a:r>
-            <a:r>
-              <a:rPr lang="ja-JP" altLang="en-US" sz="1600" dirty="0" smtClean="0">
+              <a:t>Efw</a:t>
+            </a:r>
+            <a:r>
+              <a:rPr lang="ja-JP" altLang="en-US" sz="1600" dirty="0">
                 <a:latin typeface="Meiryo UI" pitchFamily="50" charset="-128"/>
                 <a:ea typeface="Meiryo UI" pitchFamily="50" charset="-128"/>
                 <a:cs typeface="Meiryo UI" pitchFamily="50" charset="-128"/>
               </a:rPr>
-              <a:t>挿入処理は１分間</a:t>
-            </a:r>
-            <a:r>
-              <a:rPr lang="en-US" altLang="ja-JP" sz="1600" dirty="0" smtClean="0">
+              <a:t>の</a:t>
+            </a:r>
+            <a:r>
+              <a:rPr lang="en-US" altLang="ja-JP" sz="1600" dirty="0">
                 <a:latin typeface="Meiryo UI" pitchFamily="50" charset="-128"/>
                 <a:ea typeface="Meiryo UI" pitchFamily="50" charset="-128"/>
                 <a:cs typeface="Meiryo UI" pitchFamily="50" charset="-128"/>
               </a:rPr>
-              <a:t>10000</a:t>
-            </a:r>
-            <a:r>
-              <a:rPr lang="ja-JP" altLang="en-US" sz="1600" dirty="0" smtClean="0">
+              <a:t>HelloWorld</a:t>
+            </a:r>
+            <a:r>
+              <a:rPr lang="ja-JP" altLang="en-US" sz="1600" dirty="0">
                 <a:latin typeface="Meiryo UI" pitchFamily="50" charset="-128"/>
                 <a:ea typeface="Meiryo UI" pitchFamily="50" charset="-128"/>
                 <a:cs typeface="Meiryo UI" pitchFamily="50" charset="-128"/>
               </a:rPr>
-              <a:t>回の挿入</a:t>
-            </a:r>
-            <a:r>
-              <a:rPr lang="en-US" altLang="ja-JP" sz="1600" dirty="0" smtClean="0">
+              <a:t>サンプルに</a:t>
+            </a:r>
+            <a:r>
+              <a:rPr lang="en-US" altLang="ja-JP" sz="1600" dirty="0">
                 <a:latin typeface="Meiryo UI" pitchFamily="50" charset="-128"/>
                 <a:ea typeface="Meiryo UI" pitchFamily="50" charset="-128"/>
                 <a:cs typeface="Meiryo UI" pitchFamily="50" charset="-128"/>
               </a:rPr>
-              <a:t>SQL</a:t>
-            </a:r>
-            <a:r>
-              <a:rPr lang="ja-JP" altLang="en-US" sz="1600" dirty="0" smtClean="0">
+              <a:t>PostgreSQL</a:t>
+            </a:r>
+            <a:r>
+              <a:rPr lang="ja-JP" altLang="en-US" sz="1600" dirty="0">
                 <a:latin typeface="Meiryo UI" pitchFamily="50" charset="-128"/>
                 <a:ea typeface="Meiryo UI" pitchFamily="50" charset="-128"/>
                 <a:cs typeface="Meiryo UI" pitchFamily="50" charset="-128"/>
               </a:rPr>
+              <a:t>の</a:t>
+            </a:r>
+            <a:r>
+              <a:rPr lang="en-US" altLang="ja-JP" sz="1600" dirty="0">
+                <a:latin typeface="Meiryo UI" pitchFamily="50" charset="-128"/>
+                <a:ea typeface="Meiryo UI" pitchFamily="50" charset="-128"/>
+                <a:cs typeface="Meiryo UI" pitchFamily="50" charset="-128"/>
+              </a:rPr>
+              <a:t>DB</a:t>
+            </a:r>
+            <a:r>
+              <a:rPr lang="ja-JP" altLang="en-US" sz="1600" dirty="0">
+                <a:latin typeface="Meiryo UI" pitchFamily="50" charset="-128"/>
+                <a:ea typeface="Meiryo UI" pitchFamily="50" charset="-128"/>
+                <a:cs typeface="Meiryo UI" pitchFamily="50" charset="-128"/>
+              </a:rPr>
+              <a:t>挿入処理は１回</a:t>
+            </a:r>
+            <a:r>
+              <a:rPr lang="en-US" altLang="ja-JP" sz="1600" dirty="0">
+                <a:latin typeface="Meiryo UI" pitchFamily="50" charset="-128"/>
+                <a:ea typeface="Meiryo UI" pitchFamily="50" charset="-128"/>
+                <a:cs typeface="Meiryo UI" pitchFamily="50" charset="-128"/>
+              </a:rPr>
+              <a:t>15ms</a:t>
+            </a:r>
+            <a:r>
+              <a:rPr lang="ja-JP" altLang="en-US" sz="1600" dirty="0">
+                <a:latin typeface="Meiryo UI" pitchFamily="50" charset="-128"/>
+                <a:ea typeface="Meiryo UI" pitchFamily="50" charset="-128"/>
+                <a:cs typeface="Meiryo UI" pitchFamily="50" charset="-128"/>
+              </a:rPr>
+              <a:t>ぐらい。つまり、　　１分間</a:t>
+            </a:r>
+            <a:r>
+              <a:rPr lang="en-US" altLang="ja-JP" sz="1600" dirty="0">
+                <a:latin typeface="Meiryo UI" pitchFamily="50" charset="-128"/>
+                <a:ea typeface="Meiryo UI" pitchFamily="50" charset="-128"/>
+                <a:cs typeface="Meiryo UI" pitchFamily="50" charset="-128"/>
+              </a:rPr>
+              <a:t>4000</a:t>
+            </a:r>
+            <a:r>
+              <a:rPr lang="ja-JP" altLang="en-US" sz="1600" dirty="0">
+                <a:latin typeface="Meiryo UI" pitchFamily="50" charset="-128"/>
+                <a:ea typeface="Meiryo UI" pitchFamily="50" charset="-128"/>
+                <a:cs typeface="Meiryo UI" pitchFamily="50" charset="-128"/>
+              </a:rPr>
+              <a:t>回の挿入</a:t>
+            </a:r>
+            <a:r>
+              <a:rPr lang="en-US" altLang="ja-JP" sz="1600" dirty="0">
+                <a:latin typeface="Meiryo UI" pitchFamily="50" charset="-128"/>
+                <a:ea typeface="Meiryo UI" pitchFamily="50" charset="-128"/>
+                <a:cs typeface="Meiryo UI" pitchFamily="50" charset="-128"/>
+              </a:rPr>
+              <a:t>SQL</a:t>
+            </a:r>
+            <a:r>
+              <a:rPr lang="ja-JP" altLang="en-US" sz="1600" dirty="0">
+                <a:latin typeface="Meiryo UI" pitchFamily="50" charset="-128"/>
+                <a:ea typeface="Meiryo UI" pitchFamily="50" charset="-128"/>
+                <a:cs typeface="Meiryo UI" pitchFamily="50" charset="-128"/>
+              </a:rPr>
+              <a:t>発行ができる。また、</a:t>
+            </a:r>
+            <a:r>
+              <a:rPr lang="en-US" altLang="ja-JP" sz="1600" dirty="0">
+                <a:latin typeface="Meiryo UI" pitchFamily="50" charset="-128"/>
+                <a:ea typeface="Meiryo UI" pitchFamily="50" charset="-128"/>
+                <a:cs typeface="Meiryo UI" pitchFamily="50" charset="-128"/>
+              </a:rPr>
+              <a:t>java</a:t>
+            </a:r>
+            <a:r>
+              <a:rPr lang="ja-JP" altLang="en-US" sz="1600" dirty="0">
+                <a:latin typeface="Meiryo UI" pitchFamily="50" charset="-128"/>
+                <a:ea typeface="Meiryo UI" pitchFamily="50" charset="-128"/>
+                <a:cs typeface="Meiryo UI" pitchFamily="50" charset="-128"/>
+              </a:rPr>
+              <a:t>プログラムで</a:t>
+            </a:r>
+            <a:r>
+              <a:rPr lang="en-US" altLang="ja-JP" sz="1600" dirty="0" err="1">
+                <a:latin typeface="Meiryo UI" pitchFamily="50" charset="-128"/>
+                <a:ea typeface="Meiryo UI" pitchFamily="50" charset="-128"/>
+                <a:cs typeface="Meiryo UI" pitchFamily="50" charset="-128"/>
+              </a:rPr>
+              <a:t>mySQL</a:t>
+            </a:r>
+            <a:r>
+              <a:rPr lang="ja-JP" altLang="en-US" sz="1600" dirty="0">
+                <a:latin typeface="Meiryo UI" pitchFamily="50" charset="-128"/>
+                <a:ea typeface="Meiryo UI" pitchFamily="50" charset="-128"/>
+                <a:cs typeface="Meiryo UI" pitchFamily="50" charset="-128"/>
+              </a:rPr>
+              <a:t>の</a:t>
+            </a:r>
+            <a:r>
+              <a:rPr lang="en-US" altLang="ja-JP" sz="1600" dirty="0">
+                <a:latin typeface="Meiryo UI" pitchFamily="50" charset="-128"/>
+                <a:ea typeface="Meiryo UI" pitchFamily="50" charset="-128"/>
+                <a:cs typeface="Meiryo UI" pitchFamily="50" charset="-128"/>
+              </a:rPr>
+              <a:t>DB</a:t>
+            </a:r>
+            <a:r>
+              <a:rPr lang="ja-JP" altLang="en-US" sz="1600" dirty="0">
+                <a:latin typeface="Meiryo UI" pitchFamily="50" charset="-128"/>
+                <a:ea typeface="Meiryo UI" pitchFamily="50" charset="-128"/>
+                <a:cs typeface="Meiryo UI" pitchFamily="50" charset="-128"/>
+              </a:rPr>
+              <a:t>挿入処理は１分間</a:t>
+            </a:r>
+            <a:r>
+              <a:rPr lang="en-US" altLang="ja-JP" sz="1600" dirty="0">
+                <a:latin typeface="Meiryo UI" pitchFamily="50" charset="-128"/>
+                <a:ea typeface="Meiryo UI" pitchFamily="50" charset="-128"/>
+                <a:cs typeface="Meiryo UI" pitchFamily="50" charset="-128"/>
+              </a:rPr>
+              <a:t>10000</a:t>
+            </a:r>
+            <a:r>
+              <a:rPr lang="ja-JP" altLang="en-US" sz="1600" dirty="0">
+                <a:latin typeface="Meiryo UI" pitchFamily="50" charset="-128"/>
+                <a:ea typeface="Meiryo UI" pitchFamily="50" charset="-128"/>
+                <a:cs typeface="Meiryo UI" pitchFamily="50" charset="-128"/>
+              </a:rPr>
+              <a:t>回の挿入</a:t>
+            </a:r>
+            <a:r>
+              <a:rPr lang="en-US" altLang="ja-JP" sz="1600" dirty="0">
+                <a:latin typeface="Meiryo UI" pitchFamily="50" charset="-128"/>
+                <a:ea typeface="Meiryo UI" pitchFamily="50" charset="-128"/>
+                <a:cs typeface="Meiryo UI" pitchFamily="50" charset="-128"/>
+              </a:rPr>
+              <a:t>SQL</a:t>
+            </a:r>
+            <a:r>
+              <a:rPr lang="ja-JP" altLang="en-US" sz="1600" dirty="0">
+                <a:latin typeface="Meiryo UI" pitchFamily="50" charset="-128"/>
+                <a:ea typeface="Meiryo UI" pitchFamily="50" charset="-128"/>
+                <a:cs typeface="Meiryo UI" pitchFamily="50" charset="-128"/>
+              </a:rPr>
               <a:t>発行との経験がある。</a:t>
             </a:r>
-            <a:endParaRPr lang="en-US" altLang="ja-JP" sz="1600" dirty="0" smtClean="0">
+            <a:endParaRPr lang="en-US" altLang="ja-JP" sz="1600" dirty="0">
               <a:latin typeface="Meiryo UI" pitchFamily="50" charset="-128"/>
               <a:ea typeface="Meiryo UI" pitchFamily="50" charset="-128"/>
               <a:cs typeface="Meiryo UI" pitchFamily="50" charset="-128"/>
@@ -8777,7 +8584,7 @@
               <a:buFontTx/>
               <a:buNone/>
             </a:pPr>
-            <a:endParaRPr lang="en-US" altLang="ja-JP" sz="1600" dirty="0" smtClean="0">
+            <a:endParaRPr lang="en-US" altLang="ja-JP" sz="1600" dirty="0">
               <a:latin typeface="Meiryo UI" pitchFamily="50" charset="-128"/>
               <a:ea typeface="Meiryo UI" pitchFamily="50" charset="-128"/>
               <a:cs typeface="Meiryo UI" pitchFamily="50" charset="-128"/>
@@ -8811,7 +8618,7 @@
               <a:t>SQL</a:t>
             </a:r>
             <a:r>
-              <a:rPr lang="ja-JP" altLang="en-US" sz="1600" dirty="0" smtClean="0">
+              <a:rPr lang="ja-JP" altLang="en-US" sz="1600" dirty="0">
                 <a:latin typeface="Meiryo UI" pitchFamily="50" charset="-128"/>
                 <a:ea typeface="Meiryo UI" pitchFamily="50" charset="-128"/>
                 <a:cs typeface="Meiryo UI" pitchFamily="50" charset="-128"/>
@@ -8819,7 +8626,7 @@
               <a:t>なら　「　</a:t>
             </a:r>
             <a:r>
-              <a:rPr lang="ja-JP" altLang="en-US" sz="1600" dirty="0" smtClean="0">
+              <a:rPr lang="ja-JP" altLang="en-US" sz="1600" dirty="0">
                 <a:solidFill>
                   <a:srgbClr val="FF0000"/>
                 </a:solidFill>
@@ -8830,7 +8637,7 @@
               <a:t>１秒１００回</a:t>
             </a:r>
             <a:r>
-              <a:rPr lang="ja-JP" altLang="en-US" sz="1600" dirty="0" smtClean="0">
+              <a:rPr lang="ja-JP" altLang="en-US" sz="1600" dirty="0">
                 <a:latin typeface="Meiryo UI" pitchFamily="50" charset="-128"/>
                 <a:ea typeface="Meiryo UI" pitchFamily="50" charset="-128"/>
                 <a:cs typeface="Meiryo UI" pitchFamily="50" charset="-128"/>
@@ -8981,7 +8788,7 @@
               </a:rPr>
               <a:t>クライアント</a:t>
             </a:r>
-            <a:endParaRPr kumimoji="1" lang="ja-JP" altLang="en-US" sz="1400" dirty="0" smtClean="0">
+            <a:endParaRPr kumimoji="1" lang="ja-JP" altLang="en-US" sz="1400" dirty="0">
               <a:solidFill>
                 <a:schemeClr val="bg1"/>
               </a:solidFill>
@@ -9148,7 +8955,7 @@
           <a:p>
             <a:pPr algn="ctr"/>
             <a:r>
-              <a:rPr kumimoji="1" lang="ja-JP" altLang="en-US" sz="1400" dirty="0" smtClean="0">
+              <a:rPr kumimoji="1" lang="ja-JP" altLang="en-US" sz="1400" dirty="0">
                 <a:solidFill>
                   <a:schemeClr val="bg1">
                     <a:lumMod val="95000"/>
@@ -9199,7 +9006,7 @@
           <a:p>
             <a:pPr algn="ctr"/>
             <a:r>
-              <a:rPr kumimoji="1" lang="en-US" altLang="ja-JP" sz="1400" dirty="0" smtClean="0">
+              <a:rPr kumimoji="1" lang="en-US" altLang="ja-JP" sz="1400" dirty="0">
                 <a:solidFill>
                   <a:schemeClr val="bg1">
                     <a:lumMod val="95000"/>
@@ -9212,7 +9019,7 @@
               <a:t>SQL</a:t>
             </a:r>
             <a:r>
-              <a:rPr kumimoji="1" lang="ja-JP" altLang="en-US" sz="1400" dirty="0" smtClean="0">
+              <a:rPr kumimoji="1" lang="ja-JP" altLang="en-US" sz="1400" dirty="0">
                 <a:solidFill>
                   <a:schemeClr val="bg1">
                     <a:lumMod val="95000"/>
@@ -9263,7 +9070,7 @@
           <a:p>
             <a:pPr algn="ctr"/>
             <a:r>
-              <a:rPr kumimoji="1" lang="en-US" altLang="ja-JP" sz="1400" dirty="0" smtClean="0">
+              <a:rPr kumimoji="1" lang="en-US" altLang="ja-JP" sz="1400" dirty="0">
                 <a:solidFill>
                   <a:schemeClr val="bg1">
                     <a:lumMod val="95000"/>
@@ -9276,7 +9083,7 @@
               <a:t>SQL</a:t>
             </a:r>
             <a:r>
-              <a:rPr kumimoji="1" lang="ja-JP" altLang="en-US" sz="1400" dirty="0" smtClean="0">
+              <a:rPr kumimoji="1" lang="ja-JP" altLang="en-US" sz="1400" dirty="0">
                 <a:solidFill>
                   <a:schemeClr val="bg1">
                     <a:lumMod val="95000"/>
@@ -9327,7 +9134,7 @@
           <a:p>
             <a:pPr algn="ctr"/>
             <a:r>
-              <a:rPr kumimoji="1" lang="en-US" altLang="ja-JP" sz="1400" dirty="0" smtClean="0">
+              <a:rPr kumimoji="1" lang="en-US" altLang="ja-JP" sz="1400" dirty="0">
                 <a:solidFill>
                   <a:schemeClr val="bg1">
                     <a:lumMod val="95000"/>
@@ -9340,7 +9147,7 @@
               <a:t>SQL</a:t>
             </a:r>
             <a:r>
-              <a:rPr kumimoji="1" lang="ja-JP" altLang="en-US" sz="1400" dirty="0" smtClean="0">
+              <a:rPr kumimoji="1" lang="ja-JP" altLang="en-US" sz="1400" dirty="0">
                 <a:solidFill>
                   <a:schemeClr val="bg1">
                     <a:lumMod val="95000"/>
@@ -9391,7 +9198,7 @@
           <a:p>
             <a:pPr algn="ctr"/>
             <a:r>
-              <a:rPr kumimoji="1" lang="en-US" altLang="ja-JP" sz="1400" dirty="0" smtClean="0">
+              <a:rPr kumimoji="1" lang="en-US" altLang="ja-JP" sz="1400" dirty="0">
                 <a:solidFill>
                   <a:schemeClr val="bg1">
                     <a:lumMod val="95000"/>
@@ -9404,7 +9211,7 @@
               <a:t>SQL</a:t>
             </a:r>
             <a:r>
-              <a:rPr kumimoji="1" lang="ja-JP" altLang="en-US" sz="1400" dirty="0" smtClean="0">
+              <a:rPr kumimoji="1" lang="ja-JP" altLang="en-US" sz="1400" dirty="0">
                 <a:solidFill>
                   <a:schemeClr val="bg1">
                     <a:lumMod val="95000"/>
@@ -9587,12 +9394,8 @@
           <a:p>
             <a:pPr algn="ctr"/>
             <a:r>
-              <a:rPr lang="ja-JP" altLang="en-US" dirty="0" smtClean="0"/>
-              <a:t>・・</a:t>
-            </a:r>
-            <a:r>
               <a:rPr lang="ja-JP" altLang="en-US" dirty="0"/>
-              <a:t>・</a:t>
+              <a:t>・・・</a:t>
             </a:r>
             <a:endParaRPr kumimoji="1" lang="ja-JP" altLang="en-US" dirty="0"/>
           </a:p>
@@ -9622,12 +9425,8 @@
           <a:p>
             <a:pPr algn="ctr"/>
             <a:r>
-              <a:rPr lang="ja-JP" altLang="en-US" dirty="0" smtClean="0"/>
-              <a:t>・・</a:t>
-            </a:r>
-            <a:r>
               <a:rPr lang="ja-JP" altLang="en-US" dirty="0"/>
-              <a:t>・</a:t>
+              <a:t>・・・</a:t>
             </a:r>
             <a:endParaRPr kumimoji="1" lang="ja-JP" altLang="en-US" dirty="0"/>
           </a:p>
@@ -9669,7 +9468,7 @@
           <a:p>
             <a:pPr algn="ctr"/>
             <a:r>
-              <a:rPr kumimoji="1" lang="en-US" altLang="ja-JP" sz="1400" dirty="0" smtClean="0">
+              <a:rPr kumimoji="1" lang="en-US" altLang="ja-JP" sz="1400" dirty="0">
                 <a:solidFill>
                   <a:schemeClr val="bg1">
                     <a:lumMod val="95000"/>
@@ -9682,7 +9481,7 @@
               <a:t>SQL</a:t>
             </a:r>
             <a:r>
-              <a:rPr kumimoji="1" lang="ja-JP" altLang="en-US" sz="1400" dirty="0" smtClean="0">
+              <a:rPr kumimoji="1" lang="ja-JP" altLang="en-US" sz="1400" dirty="0">
                 <a:solidFill>
                   <a:schemeClr val="bg1">
                     <a:lumMod val="95000"/>
@@ -9733,7 +9532,7 @@
           <a:p>
             <a:pPr algn="ctr"/>
             <a:r>
-              <a:rPr kumimoji="1" lang="en-US" altLang="ja-JP" sz="1400" dirty="0" smtClean="0">
+              <a:rPr kumimoji="1" lang="en-US" altLang="ja-JP" sz="1400" dirty="0">
                 <a:solidFill>
                   <a:schemeClr val="bg1">
                     <a:lumMod val="95000"/>
@@ -9746,7 +9545,7 @@
               <a:t>SQL</a:t>
             </a:r>
             <a:r>
-              <a:rPr kumimoji="1" lang="ja-JP" altLang="en-US" sz="1400" dirty="0" smtClean="0">
+              <a:rPr kumimoji="1" lang="ja-JP" altLang="en-US" sz="1400" dirty="0">
                 <a:solidFill>
                   <a:schemeClr val="bg1">
                     <a:lumMod val="95000"/>
@@ -9871,7 +9670,7 @@
           <a:p>
             <a:pPr algn="ctr"/>
             <a:r>
-              <a:rPr kumimoji="1" lang="ja-JP" altLang="en-US" sz="1400" dirty="0" smtClean="0">
+              <a:rPr kumimoji="1" lang="ja-JP" altLang="en-US" sz="1400" dirty="0">
                 <a:solidFill>
                   <a:schemeClr val="tx1"/>
                 </a:solidFill>
@@ -9885,6 +9684,9 @@
         </p:txBody>
       </p:sp>
     </p:spTree>
+    <p:custDataLst>
+      <p:tags r:id="rId1"/>
+    </p:custDataLst>
     <p:extLst>
       <p:ext uri="{BB962C8B-B14F-4D97-AF65-F5344CB8AC3E}">
         <p14:creationId xmlns:p14="http://schemas.microsoft.com/office/powerpoint/2010/main" val="563854875"/>
@@ -9894,13 +9696,6 @@
   <p:clrMapOvr>
     <a:masterClrMapping/>
   </p:clrMapOvr>
-  <p:timing>
-    <p:tnLst>
-      <p:par>
-        <p:cTn id="1" dur="indefinite" restart="never" nodeType="tmRoot"/>
-      </p:par>
-    </p:tnLst>
-  </p:timing>
 </p:sld>
 </file>
 
@@ -9911,15 +9706,39 @@
   <p:tag name="ISPRING_ULTRA_SCORM_COURCE_TITLE" val="DB処理スピードの経験値v0.3"/>
   <p:tag name="ISPRING_ULTRA_SCORM_COURSE_ID" val="3646EA2F-B580-466D-A2B7-03A95492CBF8"/>
   <p:tag name="ISPRING_CMI5_LAUNCH_METHOD" val="any window"/>
-  <p:tag name="ISPRING_SCORM_ENDPOINT" val="&lt;endpoint&gt;&lt;enable&gt;0&lt;/enable&gt;&lt;lrs&gt;http://&lt;/lrs&gt;&lt;auth&gt;0&lt;/auth&gt;&lt;login&gt;&lt;/login&gt;&lt;password&gt;&lt;/password&gt;&lt;key&gt;&lt;/key&gt;&lt;name&gt;&lt;/name&gt;&lt;email&gt;&lt;/email&gt;&lt;/endpoint&gt;&#10;"/>
   <p:tag name="ISPRING_SCORM_RATE_SLIDES" val="1"/>
   <p:tag name="ISPRINGCLOUDFOLDERID" val="1"/>
   <p:tag name="ISPRINGONLINEFOLDERID" val="1"/>
-  <p:tag name="ISPRING_OUTPUT_FOLDER" val="[[&quot;x6\&quot;T{0A1F2BAE-1CEA-4DCF-97F0-F7F7D714EBC9}&quot;,&quot;C:\\Users\\kejun.chang\\Documents\\GitHub\\efw4_online_ppt&quot;]]"/>
-  <p:tag name="ISPRING_PUBLISH_SETTINGS" val="{&quot;commonSettings&quot;:{&quot;webSettings&quot;:{&quot;useMobileViewer&quot;:&quot;T_FALSE&quot;},&quot;lmsSettings&quot;:{&quot;useMobileViewer&quot;:&quot;T_FALSE&quot;},&quot;cloudSettings&quot;:{&quot;useMobileViewer&quot;:&quot;T_FALSE&quot;},&quot;ispringLmsSettings&quot;:{&quot;useMobileViewer&quot;:&quot;T_FALSE&quot;},&quot;playerId&quot;:&quot;free&quot;},&quot;advancedSettings&quot;:{&quot;enableTextAllocation&quot;:&quot;T_TRUE&quot;,&quot;viewingFromLocalDrive&quot;:&quot;T_TRUE&quot;,&quot;contentScale&quot;:75,&quot;contentScaleMode&quot;:&quot;SCALE&quot;},&quot;compressionSettings&quot;:{&quot;imageSettings&quot;:{&quot;jpegQuality&quot;:70,&quot;optimizeImageForResolution&quot;:&quot;T_FALSE&quot;},&quot;audioQuality&quot;:70,&quot;videoQuality&quot;:65},&quot;protectionSettings&quot;:{&quot;watermarkEnabled&quot;:&quot;T_FALSE&quot;,&quot;watermarkPosition&quot;:&quot;MIDDLE_CENTER&quot;,&quot;openWatermarkUrl&quot;:&quot;T_FALSE&quot;,&quot;openWatermarkWebPageInNewWindow&quot;:&quot;T_FALSE&quot;,&quot;displayAfterEnabled&quot;:&quot;T_FALSE&quot;,&quot;displayUntilEnabled&quot;:&quot;T_FALSE&quot;,&quot;domainRestrictionEnabled&quot;:&quot;T_FALSE&quot;,&quot;enablePassword&quot;:&quot;T_FALSE&quot;},&quot;videoSettings&quot;:{&quot;videoCompressionSettings&quot;:{&quot;audioQuality&quot;:70,&quot;videoQuality&quot;:75},&quot;secondsOnEachSlide&quot;:5,&quot;hostingSettings&quot;:{}},&quot;ispringOnlineSettings&quot;:{&quot;onlineDestinationFolderId&quot;:&quot;1&quot;},&quot;cloudSettings&quot;:{&quot;onlineDestinationFolderId&quot;:&quot;1&quot;},&quot;wordSettings&quot;:{&quot;printCopies&quot;:1}}"/>
-  <p:tag name="ISPRING_SCORM_RATE_QUIZZES" val="0"/>
   <p:tag name="ISPRING_SCORM_PASSING_SCORE" val="100.000000"/>
   <p:tag name="ISPRING_PRESENTATION_TITLE" val="DB処理スピードの経験値v0.3"/>
+  <p:tag name="ISPRING_SCORM_ENDPOINT" val="&lt;endpoint&gt;&lt;enable&gt;0&lt;/enable&gt;&lt;lrs&gt;http://&lt;/lrs&gt;&lt;auth&gt;0&lt;/auth&gt;&lt;login&gt;&lt;/login&gt;&lt;password&gt;&lt;/password&gt;&lt;key&gt;&lt;/key&gt;&lt;name&gt;&lt;/name&gt;&lt;email&gt;&lt;/email&gt;&lt;/endpoint&gt;&#10;"/>
+  <p:tag name="ISPRING_OUTPUT_FOLDER" val="[[&quot;f\uFFFD_\u0000{F3869DA2-F2D5-46CF-899A-5B1CA6DA96AF}&quot;,&quot;C:\\Users\\kejun.chang\\Documents\\GitHub\\efw4_online_ppt&quot;],[&quot;x6\&quot;T{0A1F2BAE-1CEA-4DCF-97F0-F7F7D714EBC9}&quot;,&quot;C:\\Users\\kejun.chang\\Documents\\GitHub\\efw4_online_ppt&quot;]]"/>
+  <p:tag name="ISPRING_PUBLISH_SETTINGS" val="{&quot;commonSettings&quot;:{&quot;webSettings&quot;:{&quot;useMobileViewer&quot;:&quot;T_FALSE&quot;},&quot;lmsSettings&quot;:{&quot;useMobileViewer&quot;:&quot;T_FALSE&quot;},&quot;cloudSettings&quot;:{&quot;useMobileViewer&quot;:&quot;T_FALSE&quot;},&quot;ispringLmsSettings&quot;:{&quot;useMobileViewer&quot;:&quot;T_FALSE&quot;},&quot;playerId&quot;:&quot;universal&quot;,&quot;studioSettings&quot;:{&quot;useMobileViewer&quot;:&quot;T_FALSE&quot;}},&quot;advancedSettings&quot;:{&quot;enableTextAllocation&quot;:&quot;T_TRUE&quot;,&quot;viewingFromLocalDrive&quot;:&quot;T_TRUE&quot;,&quot;contentScale&quot;:75,&quot;contentScaleMode&quot;:&quot;SCALE&quot;},&quot;accessibilitySettings&quot;:{&quot;enabled&quot;:&quot;T_FALSE&quot;},&quot;compressionSettings&quot;:{&quot;imageSettings&quot;:{&quot;jpegQuality&quot;:70,&quot;optimizeImageForResolution&quot;:&quot;T_FALSE&quot;},&quot;audioQuality&quot;:70,&quot;videoQuality&quot;:65},&quot;protectionSettings&quot;:{&quot;watermarkEnabled&quot;:&quot;T_FALSE&quot;,&quot;watermarkPosition&quot;:&quot;MIDDLE_CENTER&quot;,&quot;openWatermarkUrl&quot;:&quot;T_FALSE&quot;,&quot;openWatermarkWebPageInNewWindow&quot;:&quot;T_FALSE&quot;,&quot;displayAfterEnabled&quot;:&quot;T_FALSE&quot;,&quot;displayUntilEnabled&quot;:&quot;T_FALSE&quot;,&quot;domainRestrictionEnabled&quot;:&quot;T_FALSE&quot;,&quot;enablePassword&quot;:&quot;T_FALSE&quot;},&quot;videoSettings&quot;:{&quot;videoCompressionSettings&quot;:{&quot;audioQuality&quot;:70,&quot;videoQuality&quot;:75},&quot;secondsOnEachSlide&quot;:5,&quot;hostingSettings&quot;:{}},&quot;ispringOnlineSettings&quot;:{&quot;onlineDestinationFolderId&quot;:&quot;1&quot;},&quot;cloudSettings&quot;:{&quot;onlineDestinationFolderId&quot;:&quot;1&quot;},&quot;wordSettings&quot;:{&quot;printCopies&quot;:1},&quot;studioSettings&quot;:{}}"/>
+  <p:tag name="ISPRING_SCORM_RATE_QUIZZES" val="0"/>
+</p:tagLst>
+</file>
+
+<file path=ppt/tags/tag2.xml><?xml version="1.0" encoding="utf-8"?>
+<p:tagLst xmlns:a="http://schemas.openxmlformats.org/drawingml/2006/main" xmlns:r="http://schemas.openxmlformats.org/officeDocument/2006/relationships" xmlns:p="http://schemas.openxmlformats.org/presentationml/2006/main">
+  <p:tag name="GENSWF_SLIDE_UID" val="{5D42044A-C8E1-46E3-8621-6CA14DE34B93}:392"/>
+</p:tagLst>
+</file>
+
+<file path=ppt/tags/tag3.xml><?xml version="1.0" encoding="utf-8"?>
+<p:tagLst xmlns:a="http://schemas.openxmlformats.org/drawingml/2006/main" xmlns:r="http://schemas.openxmlformats.org/officeDocument/2006/relationships" xmlns:p="http://schemas.openxmlformats.org/presentationml/2006/main">
+  <p:tag name="GENSWF_SLIDE_UID" val="{B0E13126-3276-4027-ADA6-9A741C5D9D65}:431"/>
+</p:tagLst>
+</file>
+
+<file path=ppt/tags/tag4.xml><?xml version="1.0" encoding="utf-8"?>
+<p:tagLst xmlns:a="http://schemas.openxmlformats.org/drawingml/2006/main" xmlns:r="http://schemas.openxmlformats.org/officeDocument/2006/relationships" xmlns:p="http://schemas.openxmlformats.org/presentationml/2006/main">
+  <p:tag name="GENSWF_SLIDE_UID" val="{7688126C-306E-4F71-8B09-91580FF3CDDB}:432"/>
+</p:tagLst>
+</file>
+
+<file path=ppt/tags/tag5.xml><?xml version="1.0" encoding="utf-8"?>
+<p:tagLst xmlns:a="http://schemas.openxmlformats.org/drawingml/2006/main" xmlns:r="http://schemas.openxmlformats.org/officeDocument/2006/relationships" xmlns:p="http://schemas.openxmlformats.org/presentationml/2006/main">
+  <p:tag name="GENSWF_SLIDE_UID" val="{37F0BFEE-F546-4461-BB5E-E4C01B71E93B}:433"/>
 </p:tagLst>
 </file>
 
